--- a/Chapitre_02_Hyperstatisme/TD_03_Prehenseur/images/Figures.pptx
+++ b/Chapitre_02_Hyperstatisme/TD_03_Prehenseur/images/Figures.pptx
@@ -11,7 +11,9 @@
     <p:sldId id="262" r:id="rId5"/>
     <p:sldId id="259" r:id="rId6"/>
     <p:sldId id="258" r:id="rId7"/>
-    <p:sldId id="263" r:id="rId8"/>
+    <p:sldId id="265" r:id="rId8"/>
+    <p:sldId id="266" r:id="rId9"/>
+    <p:sldId id="263" r:id="rId10"/>
   </p:sldIdLst>
   <p:sldSz cx="9144000" cy="6858000" type="screen4x3"/>
   <p:notesSz cx="6858000" cy="9144000"/>
@@ -294,7 +296,7 @@
           <a:p>
             <a:fld id="{AA309A6D-C09C-4548-B29A-6CF363A7E532}" type="datetimeFigureOut">
               <a:rPr lang="fr-FR" smtClean="0"/>
-              <a:t>30/03/2018</a:t>
+              <a:t>14/04/2018</a:t>
             </a:fld>
             <a:endParaRPr lang="fr-BE"/>
           </a:p>
@@ -459,7 +461,7 @@
           <a:p>
             <a:fld id="{AA309A6D-C09C-4548-B29A-6CF363A7E532}" type="datetimeFigureOut">
               <a:rPr lang="fr-FR" smtClean="0"/>
-              <a:t>30/03/2018</a:t>
+              <a:t>14/04/2018</a:t>
             </a:fld>
             <a:endParaRPr lang="fr-BE"/>
           </a:p>
@@ -634,7 +636,7 @@
           <a:p>
             <a:fld id="{AA309A6D-C09C-4548-B29A-6CF363A7E532}" type="datetimeFigureOut">
               <a:rPr lang="fr-FR" smtClean="0"/>
-              <a:t>30/03/2018</a:t>
+              <a:t>14/04/2018</a:t>
             </a:fld>
             <a:endParaRPr lang="fr-BE"/>
           </a:p>
@@ -799,7 +801,7 @@
           <a:p>
             <a:fld id="{AA309A6D-C09C-4548-B29A-6CF363A7E532}" type="datetimeFigureOut">
               <a:rPr lang="fr-FR" smtClean="0"/>
-              <a:t>30/03/2018</a:t>
+              <a:t>14/04/2018</a:t>
             </a:fld>
             <a:endParaRPr lang="fr-BE"/>
           </a:p>
@@ -1040,7 +1042,7 @@
           <a:p>
             <a:fld id="{AA309A6D-C09C-4548-B29A-6CF363A7E532}" type="datetimeFigureOut">
               <a:rPr lang="fr-FR" smtClean="0"/>
-              <a:t>30/03/2018</a:t>
+              <a:t>14/04/2018</a:t>
             </a:fld>
             <a:endParaRPr lang="fr-BE"/>
           </a:p>
@@ -1323,7 +1325,7 @@
           <a:p>
             <a:fld id="{AA309A6D-C09C-4548-B29A-6CF363A7E532}" type="datetimeFigureOut">
               <a:rPr lang="fr-FR" smtClean="0"/>
-              <a:t>30/03/2018</a:t>
+              <a:t>14/04/2018</a:t>
             </a:fld>
             <a:endParaRPr lang="fr-BE"/>
           </a:p>
@@ -1740,7 +1742,7 @@
           <a:p>
             <a:fld id="{AA309A6D-C09C-4548-B29A-6CF363A7E532}" type="datetimeFigureOut">
               <a:rPr lang="fr-FR" smtClean="0"/>
-              <a:t>30/03/2018</a:t>
+              <a:t>14/04/2018</a:t>
             </a:fld>
             <a:endParaRPr lang="fr-BE"/>
           </a:p>
@@ -1853,7 +1855,7 @@
           <a:p>
             <a:fld id="{AA309A6D-C09C-4548-B29A-6CF363A7E532}" type="datetimeFigureOut">
               <a:rPr lang="fr-FR" smtClean="0"/>
-              <a:t>30/03/2018</a:t>
+              <a:t>14/04/2018</a:t>
             </a:fld>
             <a:endParaRPr lang="fr-BE"/>
           </a:p>
@@ -1943,7 +1945,7 @@
           <a:p>
             <a:fld id="{AA309A6D-C09C-4548-B29A-6CF363A7E532}" type="datetimeFigureOut">
               <a:rPr lang="fr-FR" smtClean="0"/>
-              <a:t>30/03/2018</a:t>
+              <a:t>14/04/2018</a:t>
             </a:fld>
             <a:endParaRPr lang="fr-BE"/>
           </a:p>
@@ -2215,7 +2217,7 @@
           <a:p>
             <a:fld id="{AA309A6D-C09C-4548-B29A-6CF363A7E532}" type="datetimeFigureOut">
               <a:rPr lang="fr-FR" smtClean="0"/>
-              <a:t>30/03/2018</a:t>
+              <a:t>14/04/2018</a:t>
             </a:fld>
             <a:endParaRPr lang="fr-BE"/>
           </a:p>
@@ -2463,7 +2465,7 @@
           <a:p>
             <a:fld id="{AA309A6D-C09C-4548-B29A-6CF363A7E532}" type="datetimeFigureOut">
               <a:rPr lang="fr-FR" smtClean="0"/>
-              <a:t>30/03/2018</a:t>
+              <a:t>14/04/2018</a:t>
             </a:fld>
             <a:endParaRPr lang="fr-BE"/>
           </a:p>
@@ -2671,7 +2673,7 @@
           <a:p>
             <a:fld id="{AA309A6D-C09C-4548-B29A-6CF363A7E532}" type="datetimeFigureOut">
               <a:rPr lang="fr-FR" smtClean="0"/>
-              <a:t>30/03/2018</a:t>
+              <a:t>14/04/2018</a:t>
             </a:fld>
             <a:endParaRPr lang="fr-BE"/>
           </a:p>
@@ -12510,26 +12512,75 @@
       </p:grpSpPr>
       <p:sp>
         <p:nvSpPr>
-          <p:cNvPr id="15" name="Rectangle 14"/>
+          <p:cNvPr id="38" name="Forme libre 37"/>
           <p:cNvSpPr/>
           <p:nvPr/>
         </p:nvSpPr>
         <p:spPr>
-          <a:xfrm>
-            <a:off x="0" y="1813200"/>
-            <a:ext cx="152400" cy="286396"/>
+          <a:xfrm flipV="1">
+            <a:off x="539552" y="2028210"/>
+            <a:ext cx="1224136" cy="146042"/>
           </a:xfrm>
-          <a:prstGeom prst="rect">
+          <a:custGeom>
             <a:avLst/>
-          </a:prstGeom>
-          <a:solidFill>
-            <a:schemeClr val="accent6">
-              <a:lumMod val="20000"/>
-              <a:lumOff val="80000"/>
-            </a:schemeClr>
-          </a:solidFill>
-          <a:ln w="19050">
-            <a:noFill/>
+            <a:gdLst>
+              <a:gd name="connsiteX0" fmla="*/ 0 w 596900"/>
+              <a:gd name="connsiteY0" fmla="*/ 209768 h 209768"/>
+              <a:gd name="connsiteX1" fmla="*/ 317500 w 596900"/>
+              <a:gd name="connsiteY1" fmla="*/ 218 h 209768"/>
+              <a:gd name="connsiteX2" fmla="*/ 596900 w 596900"/>
+              <a:gd name="connsiteY2" fmla="*/ 178018 h 209768"/>
+              <a:gd name="connsiteX0" fmla="*/ 0 w 660400"/>
+              <a:gd name="connsiteY0" fmla="*/ 210341 h 280191"/>
+              <a:gd name="connsiteX1" fmla="*/ 317500 w 660400"/>
+              <a:gd name="connsiteY1" fmla="*/ 791 h 280191"/>
+              <a:gd name="connsiteX2" fmla="*/ 660400 w 660400"/>
+              <a:gd name="connsiteY2" fmla="*/ 280191 h 280191"/>
+              <a:gd name="connsiteX0" fmla="*/ 0 w 736600"/>
+              <a:gd name="connsiteY0" fmla="*/ 273055 h 279405"/>
+              <a:gd name="connsiteX1" fmla="*/ 393700 w 736600"/>
+              <a:gd name="connsiteY1" fmla="*/ 5 h 279405"/>
+              <a:gd name="connsiteX2" fmla="*/ 736600 w 736600"/>
+              <a:gd name="connsiteY2" fmla="*/ 279405 h 279405"/>
+            </a:gdLst>
+            <a:ahLst/>
+            <a:cxnLst>
+              <a:cxn ang="0">
+                <a:pos x="connsiteX0" y="connsiteY0"/>
+              </a:cxn>
+              <a:cxn ang="0">
+                <a:pos x="connsiteX1" y="connsiteY1"/>
+              </a:cxn>
+              <a:cxn ang="0">
+                <a:pos x="connsiteX2" y="connsiteY2"/>
+              </a:cxn>
+            </a:cxnLst>
+            <a:rect l="l" t="t" r="r" b="b"/>
+            <a:pathLst>
+              <a:path w="736600" h="279405">
+                <a:moveTo>
+                  <a:pt x="0" y="273055"/>
+                </a:moveTo>
+                <a:cubicBezTo>
+                  <a:pt x="109008" y="170926"/>
+                  <a:pt x="270933" y="-1053"/>
+                  <a:pt x="393700" y="5"/>
+                </a:cubicBezTo>
+                <a:cubicBezTo>
+                  <a:pt x="516467" y="1063"/>
+                  <a:pt x="646641" y="187859"/>
+                  <a:pt x="736600" y="279405"/>
+                </a:cubicBezTo>
+              </a:path>
+            </a:pathLst>
+          </a:custGeom>
+          <a:noFill/>
+          <a:ln>
+            <a:solidFill>
+              <a:srgbClr val="C00000"/>
+            </a:solidFill>
+            <a:headEnd type="none" w="med" len="med"/>
+            <a:tailEnd type="none" w="med" len="med"/>
           </a:ln>
         </p:spPr>
         <p:style>
@@ -12553,13 +12604,105 @@
           <a:lstStyle/>
           <a:p>
             <a:pPr algn="ctr"/>
-            <a:endParaRPr lang="fr-FR" sz="1400" b="1">
-              <a:solidFill>
-                <a:schemeClr val="accent6">
-                  <a:lumMod val="50000"/>
-                </a:schemeClr>
-              </a:solidFill>
-            </a:endParaRPr>
+            <a:endParaRPr lang="fr-FR"/>
+          </a:p>
+        </p:txBody>
+      </p:sp>
+      <p:sp>
+        <p:nvSpPr>
+          <p:cNvPr id="24" name="Forme libre 23"/>
+          <p:cNvSpPr/>
+          <p:nvPr/>
+        </p:nvSpPr>
+        <p:spPr>
+          <a:xfrm>
+            <a:off x="539552" y="1700808"/>
+            <a:ext cx="1224136" cy="146042"/>
+          </a:xfrm>
+          <a:custGeom>
+            <a:avLst/>
+            <a:gdLst>
+              <a:gd name="connsiteX0" fmla="*/ 0 w 596900"/>
+              <a:gd name="connsiteY0" fmla="*/ 209768 h 209768"/>
+              <a:gd name="connsiteX1" fmla="*/ 317500 w 596900"/>
+              <a:gd name="connsiteY1" fmla="*/ 218 h 209768"/>
+              <a:gd name="connsiteX2" fmla="*/ 596900 w 596900"/>
+              <a:gd name="connsiteY2" fmla="*/ 178018 h 209768"/>
+              <a:gd name="connsiteX0" fmla="*/ 0 w 660400"/>
+              <a:gd name="connsiteY0" fmla="*/ 210341 h 280191"/>
+              <a:gd name="connsiteX1" fmla="*/ 317500 w 660400"/>
+              <a:gd name="connsiteY1" fmla="*/ 791 h 280191"/>
+              <a:gd name="connsiteX2" fmla="*/ 660400 w 660400"/>
+              <a:gd name="connsiteY2" fmla="*/ 280191 h 280191"/>
+              <a:gd name="connsiteX0" fmla="*/ 0 w 736600"/>
+              <a:gd name="connsiteY0" fmla="*/ 273055 h 279405"/>
+              <a:gd name="connsiteX1" fmla="*/ 393700 w 736600"/>
+              <a:gd name="connsiteY1" fmla="*/ 5 h 279405"/>
+              <a:gd name="connsiteX2" fmla="*/ 736600 w 736600"/>
+              <a:gd name="connsiteY2" fmla="*/ 279405 h 279405"/>
+            </a:gdLst>
+            <a:ahLst/>
+            <a:cxnLst>
+              <a:cxn ang="0">
+                <a:pos x="connsiteX0" y="connsiteY0"/>
+              </a:cxn>
+              <a:cxn ang="0">
+                <a:pos x="connsiteX1" y="connsiteY1"/>
+              </a:cxn>
+              <a:cxn ang="0">
+                <a:pos x="connsiteX2" y="connsiteY2"/>
+              </a:cxn>
+            </a:cxnLst>
+            <a:rect l="l" t="t" r="r" b="b"/>
+            <a:pathLst>
+              <a:path w="736600" h="279405">
+                <a:moveTo>
+                  <a:pt x="0" y="273055"/>
+                </a:moveTo>
+                <a:cubicBezTo>
+                  <a:pt x="109008" y="170926"/>
+                  <a:pt x="270933" y="-1053"/>
+                  <a:pt x="393700" y="5"/>
+                </a:cubicBezTo>
+                <a:cubicBezTo>
+                  <a:pt x="516467" y="1063"/>
+                  <a:pt x="646641" y="187859"/>
+                  <a:pt x="736600" y="279405"/>
+                </a:cubicBezTo>
+              </a:path>
+            </a:pathLst>
+          </a:custGeom>
+          <a:noFill/>
+          <a:ln>
+            <a:solidFill>
+              <a:srgbClr val="C00000"/>
+            </a:solidFill>
+            <a:headEnd type="none" w="med" len="med"/>
+            <a:tailEnd type="none" w="med" len="med"/>
+          </a:ln>
+        </p:spPr>
+        <p:style>
+          <a:lnRef idx="2">
+            <a:schemeClr val="accent1">
+              <a:shade val="50000"/>
+            </a:schemeClr>
+          </a:lnRef>
+          <a:fillRef idx="1">
+            <a:schemeClr val="accent1"/>
+          </a:fillRef>
+          <a:effectRef idx="0">
+            <a:schemeClr val="accent1"/>
+          </a:effectRef>
+          <a:fontRef idx="minor">
+            <a:schemeClr val="lt1"/>
+          </a:fontRef>
+        </p:style>
+        <p:txBody>
+          <a:bodyPr rtlCol="0" anchor="ctr"/>
+          <a:lstStyle/>
+          <a:p>
+            <a:pPr algn="ctr"/>
+            <a:endParaRPr lang="fr-FR"/>
           </a:p>
         </p:txBody>
       </p:sp>
@@ -12571,7 +12714,7 @@
         </p:nvSpPr>
         <p:spPr>
           <a:xfrm>
-            <a:off x="1061610" y="1813199"/>
+            <a:off x="1691680" y="1813199"/>
             <a:ext cx="288032" cy="288032"/>
           </a:xfrm>
           <a:prstGeom prst="ellipse">
@@ -12621,189 +12764,6 @@
             <a:endParaRPr lang="fr-FR" sz="1400" b="1" dirty="0">
               <a:solidFill>
                 <a:schemeClr val="accent4"/>
-              </a:solidFill>
-            </a:endParaRPr>
-          </a:p>
-        </p:txBody>
-      </p:sp>
-      <p:sp>
-        <p:nvSpPr>
-          <p:cNvPr id="5" name="Ellipse 4"/>
-          <p:cNvSpPr/>
-          <p:nvPr/>
-        </p:nvSpPr>
-        <p:spPr>
-          <a:xfrm>
-            <a:off x="1799692" y="1813199"/>
-            <a:ext cx="288032" cy="288032"/>
-          </a:xfrm>
-          <a:prstGeom prst="ellipse">
-            <a:avLst/>
-          </a:prstGeom>
-          <a:solidFill>
-            <a:schemeClr val="accent2">
-              <a:lumMod val="20000"/>
-              <a:lumOff val="80000"/>
-            </a:schemeClr>
-          </a:solidFill>
-          <a:ln w="19050">
-            <a:solidFill>
-              <a:schemeClr val="accent2"/>
-            </a:solidFill>
-          </a:ln>
-        </p:spPr>
-        <p:style>
-          <a:lnRef idx="2">
-            <a:schemeClr val="accent1">
-              <a:shade val="50000"/>
-            </a:schemeClr>
-          </a:lnRef>
-          <a:fillRef idx="1">
-            <a:schemeClr val="accent1"/>
-          </a:fillRef>
-          <a:effectRef idx="0">
-            <a:schemeClr val="accent1"/>
-          </a:effectRef>
-          <a:fontRef idx="minor">
-            <a:schemeClr val="lt1"/>
-          </a:fontRef>
-        </p:style>
-        <p:txBody>
-          <a:bodyPr rtlCol="0" anchor="ctr"/>
-          <a:lstStyle/>
-          <a:p>
-            <a:pPr algn="ctr"/>
-            <a:r>
-              <a:rPr lang="fr-FR" sz="1400" b="1" dirty="0">
-                <a:solidFill>
-                  <a:schemeClr val="accent2"/>
-                </a:solidFill>
-              </a:rPr>
-              <a:t>2</a:t>
-            </a:r>
-          </a:p>
-        </p:txBody>
-      </p:sp>
-      <p:sp>
-        <p:nvSpPr>
-          <p:cNvPr id="6" name="Ellipse 5"/>
-          <p:cNvSpPr/>
-          <p:nvPr/>
-        </p:nvSpPr>
-        <p:spPr>
-          <a:xfrm>
-            <a:off x="2537774" y="1813199"/>
-            <a:ext cx="288032" cy="288032"/>
-          </a:xfrm>
-          <a:prstGeom prst="ellipse">
-            <a:avLst/>
-          </a:prstGeom>
-          <a:solidFill>
-            <a:schemeClr val="accent3">
-              <a:lumMod val="20000"/>
-              <a:lumOff val="80000"/>
-            </a:schemeClr>
-          </a:solidFill>
-          <a:ln w="19050">
-            <a:solidFill>
-              <a:schemeClr val="accent3"/>
-            </a:solidFill>
-          </a:ln>
-        </p:spPr>
-        <p:style>
-          <a:lnRef idx="2">
-            <a:schemeClr val="accent1">
-              <a:shade val="50000"/>
-            </a:schemeClr>
-          </a:lnRef>
-          <a:fillRef idx="1">
-            <a:schemeClr val="accent1"/>
-          </a:fillRef>
-          <a:effectRef idx="0">
-            <a:schemeClr val="accent1"/>
-          </a:effectRef>
-          <a:fontRef idx="minor">
-            <a:schemeClr val="lt1"/>
-          </a:fontRef>
-        </p:style>
-        <p:txBody>
-          <a:bodyPr rtlCol="0" anchor="ctr"/>
-          <a:lstStyle/>
-          <a:p>
-            <a:pPr algn="ctr"/>
-            <a:r>
-              <a:rPr lang="fr-FR" sz="1400" b="1" dirty="0" smtClean="0">
-                <a:solidFill>
-                  <a:schemeClr val="accent3"/>
-                </a:solidFill>
-              </a:rPr>
-              <a:t>3</a:t>
-            </a:r>
-            <a:endParaRPr lang="fr-FR" sz="1400" b="1" dirty="0">
-              <a:solidFill>
-                <a:schemeClr val="accent3"/>
-              </a:solidFill>
-            </a:endParaRPr>
-          </a:p>
-        </p:txBody>
-      </p:sp>
-      <p:sp>
-        <p:nvSpPr>
-          <p:cNvPr id="7" name="Ellipse 6"/>
-          <p:cNvSpPr/>
-          <p:nvPr/>
-        </p:nvSpPr>
-        <p:spPr>
-          <a:xfrm>
-            <a:off x="3275856" y="1813199"/>
-            <a:ext cx="288032" cy="288032"/>
-          </a:xfrm>
-          <a:prstGeom prst="ellipse">
-            <a:avLst/>
-          </a:prstGeom>
-          <a:solidFill>
-            <a:schemeClr val="bg1">
-              <a:lumMod val="85000"/>
-            </a:schemeClr>
-          </a:solidFill>
-          <a:ln w="19050">
-            <a:solidFill>
-              <a:schemeClr val="tx1"/>
-            </a:solidFill>
-          </a:ln>
-        </p:spPr>
-        <p:style>
-          <a:lnRef idx="2">
-            <a:schemeClr val="accent1">
-              <a:shade val="50000"/>
-            </a:schemeClr>
-          </a:lnRef>
-          <a:fillRef idx="1">
-            <a:schemeClr val="accent1"/>
-          </a:fillRef>
-          <a:effectRef idx="0">
-            <a:schemeClr val="accent1"/>
-          </a:effectRef>
-          <a:fontRef idx="minor">
-            <a:schemeClr val="lt1"/>
-          </a:fontRef>
-        </p:style>
-        <p:txBody>
-          <a:bodyPr rtlCol="0" anchor="ctr"/>
-          <a:lstStyle/>
-          <a:p>
-            <a:pPr algn="ctr"/>
-            <a:r>
-              <a:rPr lang="fr-FR" sz="1400" b="1" dirty="0" smtClean="0">
-                <a:solidFill>
-                  <a:schemeClr val="tx1"/>
-                </a:solidFill>
-              </a:rPr>
-              <a:t>4</a:t>
-            </a:r>
-            <a:endParaRPr lang="fr-FR" sz="1400" b="1" dirty="0">
-              <a:solidFill>
-                <a:schemeClr val="tx1"/>
               </a:solidFill>
             </a:endParaRPr>
           </a:p>
@@ -12890,6 +12850,2462 @@
         <p:spPr>
           <a:xfrm>
             <a:off x="611560" y="1957215"/>
+            <a:ext cx="1080120" cy="0"/>
+          </a:xfrm>
+          <a:prstGeom prst="line">
+            <a:avLst/>
+          </a:prstGeom>
+          <a:ln w="19050">
+            <a:solidFill>
+              <a:schemeClr val="tx1"/>
+            </a:solidFill>
+          </a:ln>
+        </p:spPr>
+        <p:style>
+          <a:lnRef idx="1">
+            <a:schemeClr val="accent1"/>
+          </a:lnRef>
+          <a:fillRef idx="0">
+            <a:schemeClr val="accent1"/>
+          </a:fillRef>
+          <a:effectRef idx="0">
+            <a:schemeClr val="accent1"/>
+          </a:effectRef>
+          <a:fontRef idx="minor">
+            <a:schemeClr val="tx1"/>
+          </a:fontRef>
+        </p:style>
+      </p:cxnSp>
+      <mc:AlternateContent xmlns:mc="http://schemas.openxmlformats.org/markup-compatibility/2006">
+        <mc:Choice xmlns:a14="http://schemas.microsoft.com/office/drawing/2010/main" Requires="a14">
+          <p:sp>
+            <p:nvSpPr>
+              <p:cNvPr id="31" name="ZoneTexte 30"/>
+              <p:cNvSpPr txBox="1"/>
+              <p:nvPr/>
+            </p:nvSpPr>
+            <p:spPr>
+              <a:xfrm>
+                <a:off x="759493" y="1471793"/>
+                <a:ext cx="777842" cy="246221"/>
+              </a:xfrm>
+              <a:prstGeom prst="rect">
+                <a:avLst/>
+              </a:prstGeom>
+              <a:noFill/>
+            </p:spPr>
+            <p:txBody>
+              <a:bodyPr wrap="none" rtlCol="0">
+                <a:spAutoFit/>
+              </a:bodyPr>
+              <a:lstStyle/>
+              <a:p>
+                <a:r>
+                  <a:rPr lang="fr-FR" sz="1000" b="0" dirty="0" smtClean="0"/>
+                  <a:t>Pivot </a:t>
+                </a:r>
+                <a14:m>
+                  <m:oMath xmlns:m="http://schemas.openxmlformats.org/officeDocument/2006/math">
+                    <m:d>
+                      <m:dPr>
+                        <m:ctrlPr>
+                          <a:rPr lang="fr-FR" sz="1000" b="0" i="1" smtClean="0">
+                            <a:latin typeface="Cambria Math"/>
+                          </a:rPr>
+                        </m:ctrlPr>
+                      </m:dPr>
+                      <m:e>
+                        <m:r>
+                          <a:rPr lang="fr-FR" sz="1000" b="0" i="1" smtClean="0">
+                            <a:latin typeface="Cambria Math"/>
+                          </a:rPr>
+                          <m:t>𝑃</m:t>
+                        </m:r>
+                        <m:r>
+                          <a:rPr lang="fr-FR" sz="1000" b="0" i="1" smtClean="0">
+                            <a:latin typeface="Cambria Math"/>
+                          </a:rPr>
+                          <m:t>,</m:t>
+                        </m:r>
+                        <m:acc>
+                          <m:accPr>
+                            <m:chr m:val="⃗"/>
+                            <m:ctrlPr>
+                              <a:rPr lang="fr-FR" sz="1000" b="0" i="1" smtClean="0">
+                                <a:latin typeface="Cambria Math"/>
+                              </a:rPr>
+                            </m:ctrlPr>
+                          </m:accPr>
+                          <m:e>
+                            <m:r>
+                              <a:rPr lang="fr-FR" sz="1000" b="0" i="1" smtClean="0">
+                                <a:latin typeface="Cambria Math"/>
+                              </a:rPr>
+                              <m:t>𝑧</m:t>
+                            </m:r>
+                          </m:e>
+                        </m:acc>
+                      </m:e>
+                    </m:d>
+                  </m:oMath>
+                </a14:m>
+                <a:endParaRPr lang="fr-FR" sz="1000" dirty="0"/>
+              </a:p>
+            </p:txBody>
+          </p:sp>
+        </mc:Choice>
+        <mc:Fallback>
+          <p:sp>
+            <p:nvSpPr>
+              <p:cNvPr id="31" name="ZoneTexte 30"/>
+              <p:cNvSpPr txBox="1">
+                <a:spLocks noRot="1" noChangeAspect="1" noMove="1" noResize="1" noEditPoints="1" noAdjustHandles="1" noChangeArrowheads="1" noChangeShapeType="1" noTextEdit="1"/>
+              </p:cNvSpPr>
+              <p:nvPr/>
+            </p:nvSpPr>
+            <p:spPr>
+              <a:xfrm>
+                <a:off x="759493" y="1471793"/>
+                <a:ext cx="777842" cy="246221"/>
+              </a:xfrm>
+              <a:prstGeom prst="rect">
+                <a:avLst/>
+              </a:prstGeom>
+              <a:blipFill rotWithShape="1">
+                <a:blip r:embed="rId2"/>
+                <a:stretch>
+                  <a:fillRect t="-4878" r="-8661" b="-12195"/>
+                </a:stretch>
+              </a:blipFill>
+            </p:spPr>
+            <p:txBody>
+              <a:bodyPr/>
+              <a:lstStyle/>
+              <a:p>
+                <a:r>
+                  <a:rPr lang="fr-FR">
+                    <a:noFill/>
+                  </a:rPr>
+                  <a:t> </a:t>
+                </a:r>
+              </a:p>
+            </p:txBody>
+          </p:sp>
+        </mc:Fallback>
+      </mc:AlternateContent>
+      <mc:AlternateContent xmlns:mc="http://schemas.openxmlformats.org/markup-compatibility/2006">
+        <mc:Choice xmlns:a14="http://schemas.microsoft.com/office/drawing/2010/main" Requires="a14">
+          <p:sp>
+            <p:nvSpPr>
+              <p:cNvPr id="37" name="Rectangle 36"/>
+              <p:cNvSpPr/>
+              <p:nvPr/>
+            </p:nvSpPr>
+            <p:spPr>
+              <a:xfrm>
+                <a:off x="877346" y="1718014"/>
+                <a:ext cx="548548" cy="246221"/>
+              </a:xfrm>
+              <a:prstGeom prst="rect">
+                <a:avLst/>
+              </a:prstGeom>
+            </p:spPr>
+            <p:txBody>
+              <a:bodyPr wrap="none">
+                <a:spAutoFit/>
+              </a:bodyPr>
+              <a:lstStyle/>
+              <a:p>
+                <a:pPr/>
+                <a14:m>
+                  <m:oMathPara xmlns:m="http://schemas.openxmlformats.org/officeDocument/2006/math">
+                    <m:oMathParaPr>
+                      <m:jc m:val="centerGroup"/>
+                    </m:oMathParaPr>
+                    <m:oMath xmlns:m="http://schemas.openxmlformats.org/officeDocument/2006/math">
+                      <m:sSub>
+                        <m:sSubPr>
+                          <m:ctrlPr>
+                            <a:rPr lang="fr-FR" sz="1000" i="1" smtClean="0">
+                              <a:latin typeface="Cambria Math"/>
+                            </a:rPr>
+                          </m:ctrlPr>
+                        </m:sSubPr>
+                        <m:e>
+                          <m:r>
+                            <a:rPr lang="fr-FR" sz="1000" b="0" i="1" smtClean="0">
+                              <a:latin typeface="Cambria Math"/>
+                            </a:rPr>
+                            <m:t>𝐶</m:t>
+                          </m:r>
+                        </m:e>
+                        <m:sub>
+                          <m:r>
+                            <m:rPr>
+                              <m:sty m:val="p"/>
+                            </m:rPr>
+                            <a:rPr lang="fr-FR" sz="1000" b="0" i="0" smtClean="0">
+                              <a:latin typeface="Cambria Math"/>
+                            </a:rPr>
+                            <m:t>m</m:t>
+                          </m:r>
+                          <m:r>
+                            <a:rPr lang="fr-FR" sz="1000" b="0" i="0" smtClean="0">
+                              <a:latin typeface="Cambria Math"/>
+                            </a:rPr>
+                            <m:t>0</m:t>
+                          </m:r>
+                          <m:r>
+                            <a:rPr lang="fr-FR" sz="1000" b="0" i="1" smtClean="0">
+                              <a:latin typeface="Cambria Math"/>
+                            </a:rPr>
+                            <m:t>1</m:t>
+                          </m:r>
+                        </m:sub>
+                      </m:sSub>
+                      <m:acc>
+                        <m:accPr>
+                          <m:chr m:val="⃗"/>
+                          <m:ctrlPr>
+                            <a:rPr lang="fr-FR" sz="1000" i="1">
+                              <a:latin typeface="Cambria Math"/>
+                            </a:rPr>
+                          </m:ctrlPr>
+                        </m:accPr>
+                        <m:e>
+                          <m:r>
+                            <a:rPr lang="fr-FR" sz="1000" i="1" smtClean="0">
+                              <a:latin typeface="Cambria Math"/>
+                            </a:rPr>
+                            <m:t>𝑧</m:t>
+                          </m:r>
+                        </m:e>
+                      </m:acc>
+                    </m:oMath>
+                  </m:oMathPara>
+                </a14:m>
+                <a:endParaRPr lang="fr-FR" sz="1000" dirty="0"/>
+              </a:p>
+            </p:txBody>
+          </p:sp>
+        </mc:Choice>
+        <mc:Fallback>
+          <p:sp>
+            <p:nvSpPr>
+              <p:cNvPr id="37" name="Rectangle 36"/>
+              <p:cNvSpPr>
+                <a:spLocks noRot="1" noChangeAspect="1" noMove="1" noResize="1" noEditPoints="1" noAdjustHandles="1" noChangeArrowheads="1" noChangeShapeType="1" noTextEdit="1"/>
+              </p:cNvSpPr>
+              <p:nvPr/>
+            </p:nvSpPr>
+            <p:spPr>
+              <a:xfrm>
+                <a:off x="877346" y="1718014"/>
+                <a:ext cx="548548" cy="246221"/>
+              </a:xfrm>
+              <a:prstGeom prst="rect">
+                <a:avLst/>
+              </a:prstGeom>
+              <a:blipFill rotWithShape="1">
+                <a:blip r:embed="rId3"/>
+                <a:stretch>
+                  <a:fillRect t="-5000" r="-20000"/>
+                </a:stretch>
+              </a:blipFill>
+            </p:spPr>
+            <p:txBody>
+              <a:bodyPr/>
+              <a:lstStyle/>
+              <a:p>
+                <a:r>
+                  <a:rPr lang="fr-FR">
+                    <a:noFill/>
+                  </a:rPr>
+                  <a:t> </a:t>
+                </a:r>
+              </a:p>
+            </p:txBody>
+          </p:sp>
+        </mc:Fallback>
+      </mc:AlternateContent>
+      <mc:AlternateContent xmlns:mc="http://schemas.openxmlformats.org/markup-compatibility/2006">
+        <mc:Choice xmlns:a14="http://schemas.microsoft.com/office/drawing/2010/main" Requires="a14">
+          <p:sp>
+            <p:nvSpPr>
+              <p:cNvPr id="41" name="ZoneTexte 40"/>
+              <p:cNvSpPr txBox="1"/>
+              <p:nvPr/>
+            </p:nvSpPr>
+            <p:spPr>
+              <a:xfrm>
+                <a:off x="760796" y="2163024"/>
+                <a:ext cx="777842" cy="246221"/>
+              </a:xfrm>
+              <a:prstGeom prst="rect">
+                <a:avLst/>
+              </a:prstGeom>
+              <a:noFill/>
+            </p:spPr>
+            <p:txBody>
+              <a:bodyPr wrap="none" rtlCol="0">
+                <a:spAutoFit/>
+              </a:bodyPr>
+              <a:lstStyle/>
+              <a:p>
+                <a:r>
+                  <a:rPr lang="fr-FR" sz="1000" b="0" dirty="0" smtClean="0"/>
+                  <a:t>Pivot </a:t>
+                </a:r>
+                <a14:m>
+                  <m:oMath xmlns:m="http://schemas.openxmlformats.org/officeDocument/2006/math">
+                    <m:d>
+                      <m:dPr>
+                        <m:ctrlPr>
+                          <a:rPr lang="fr-FR" sz="1000" b="0" i="1" smtClean="0">
+                            <a:latin typeface="Cambria Math"/>
+                          </a:rPr>
+                        </m:ctrlPr>
+                      </m:dPr>
+                      <m:e>
+                        <m:r>
+                          <a:rPr lang="fr-FR" sz="1000" b="0" i="1" smtClean="0">
+                            <a:latin typeface="Cambria Math"/>
+                          </a:rPr>
+                          <m:t>𝑃</m:t>
+                        </m:r>
+                        <m:r>
+                          <a:rPr lang="fr-FR" sz="1000" b="0" i="1" smtClean="0">
+                            <a:latin typeface="Cambria Math"/>
+                          </a:rPr>
+                          <m:t>,</m:t>
+                        </m:r>
+                        <m:acc>
+                          <m:accPr>
+                            <m:chr m:val="⃗"/>
+                            <m:ctrlPr>
+                              <a:rPr lang="fr-FR" sz="1000" b="0" i="1" smtClean="0">
+                                <a:latin typeface="Cambria Math"/>
+                              </a:rPr>
+                            </m:ctrlPr>
+                          </m:accPr>
+                          <m:e>
+                            <m:r>
+                              <a:rPr lang="fr-FR" sz="1000" b="0" i="1" smtClean="0">
+                                <a:latin typeface="Cambria Math"/>
+                              </a:rPr>
+                              <m:t>𝑧</m:t>
+                            </m:r>
+                          </m:e>
+                        </m:acc>
+                      </m:e>
+                    </m:d>
+                  </m:oMath>
+                </a14:m>
+                <a:endParaRPr lang="fr-FR" sz="1000" dirty="0"/>
+              </a:p>
+            </p:txBody>
+          </p:sp>
+        </mc:Choice>
+        <mc:Fallback>
+          <p:sp>
+            <p:nvSpPr>
+              <p:cNvPr id="41" name="ZoneTexte 40"/>
+              <p:cNvSpPr txBox="1">
+                <a:spLocks noRot="1" noChangeAspect="1" noMove="1" noResize="1" noEditPoints="1" noAdjustHandles="1" noChangeArrowheads="1" noChangeShapeType="1" noTextEdit="1"/>
+              </p:cNvSpPr>
+              <p:nvPr/>
+            </p:nvSpPr>
+            <p:spPr>
+              <a:xfrm>
+                <a:off x="760796" y="2163024"/>
+                <a:ext cx="777842" cy="246221"/>
+              </a:xfrm>
+              <a:prstGeom prst="rect">
+                <a:avLst/>
+              </a:prstGeom>
+              <a:blipFill rotWithShape="1">
+                <a:blip r:embed="rId4"/>
+                <a:stretch>
+                  <a:fillRect t="-5000" r="-8661" b="-15000"/>
+                </a:stretch>
+              </a:blipFill>
+            </p:spPr>
+            <p:txBody>
+              <a:bodyPr/>
+              <a:lstStyle/>
+              <a:p>
+                <a:r>
+                  <a:rPr lang="fr-FR">
+                    <a:noFill/>
+                  </a:rPr>
+                  <a:t> </a:t>
+                </a:r>
+              </a:p>
+            </p:txBody>
+          </p:sp>
+        </mc:Fallback>
+      </mc:AlternateContent>
+      <p:sp>
+        <p:nvSpPr>
+          <p:cNvPr id="43" name="Rectangle 42"/>
+          <p:cNvSpPr/>
+          <p:nvPr/>
+        </p:nvSpPr>
+        <p:spPr>
+          <a:xfrm>
+            <a:off x="0" y="1813200"/>
+            <a:ext cx="152400" cy="286396"/>
+          </a:xfrm>
+          <a:prstGeom prst="rect">
+            <a:avLst/>
+          </a:prstGeom>
+          <a:solidFill>
+            <a:schemeClr val="accent6">
+              <a:lumMod val="20000"/>
+              <a:lumOff val="80000"/>
+            </a:schemeClr>
+          </a:solidFill>
+          <a:ln w="19050">
+            <a:noFill/>
+          </a:ln>
+        </p:spPr>
+        <p:style>
+          <a:lnRef idx="2">
+            <a:schemeClr val="accent1">
+              <a:shade val="50000"/>
+            </a:schemeClr>
+          </a:lnRef>
+          <a:fillRef idx="1">
+            <a:schemeClr val="accent1"/>
+          </a:fillRef>
+          <a:effectRef idx="0">
+            <a:schemeClr val="accent1"/>
+          </a:effectRef>
+          <a:fontRef idx="minor">
+            <a:schemeClr val="lt1"/>
+          </a:fontRef>
+        </p:style>
+        <p:txBody>
+          <a:bodyPr rtlCol="0" anchor="ctr"/>
+          <a:lstStyle/>
+          <a:p>
+            <a:pPr algn="ctr"/>
+            <a:endParaRPr lang="fr-FR" sz="1400" b="1">
+              <a:solidFill>
+                <a:schemeClr val="accent6">
+                  <a:lumMod val="50000"/>
+                </a:schemeClr>
+              </a:solidFill>
+            </a:endParaRPr>
+          </a:p>
+        </p:txBody>
+      </p:sp>
+      <p:cxnSp>
+        <p:nvCxnSpPr>
+          <p:cNvPr id="44" name="Connecteur droit 43"/>
+          <p:cNvCxnSpPr/>
+          <p:nvPr/>
+        </p:nvCxnSpPr>
+        <p:spPr>
+          <a:xfrm>
+            <a:off x="152400" y="1957215"/>
+            <a:ext cx="171128" cy="0"/>
+          </a:xfrm>
+          <a:prstGeom prst="line">
+            <a:avLst/>
+          </a:prstGeom>
+          <a:solidFill>
+            <a:schemeClr val="accent6">
+              <a:lumMod val="20000"/>
+              <a:lumOff val="80000"/>
+            </a:schemeClr>
+          </a:solidFill>
+          <a:ln w="19050">
+            <a:solidFill>
+              <a:schemeClr val="accent6">
+                <a:lumMod val="50000"/>
+              </a:schemeClr>
+            </a:solidFill>
+          </a:ln>
+        </p:spPr>
+        <p:style>
+          <a:lnRef idx="2">
+            <a:schemeClr val="accent1">
+              <a:shade val="50000"/>
+            </a:schemeClr>
+          </a:lnRef>
+          <a:fillRef idx="1">
+            <a:schemeClr val="accent1"/>
+          </a:fillRef>
+          <a:effectRef idx="0">
+            <a:schemeClr val="accent1"/>
+          </a:effectRef>
+          <a:fontRef idx="minor">
+            <a:schemeClr val="lt1"/>
+          </a:fontRef>
+        </p:style>
+      </p:cxnSp>
+      <p:cxnSp>
+        <p:nvCxnSpPr>
+          <p:cNvPr id="45" name="Connecteur droit 44"/>
+          <p:cNvCxnSpPr/>
+          <p:nvPr/>
+        </p:nvCxnSpPr>
+        <p:spPr>
+          <a:xfrm flipV="1">
+            <a:off x="152400" y="1813200"/>
+            <a:ext cx="0" cy="288031"/>
+          </a:xfrm>
+          <a:prstGeom prst="line">
+            <a:avLst/>
+          </a:prstGeom>
+          <a:solidFill>
+            <a:schemeClr val="accent6">
+              <a:lumMod val="20000"/>
+              <a:lumOff val="80000"/>
+            </a:schemeClr>
+          </a:solidFill>
+          <a:ln w="19050">
+            <a:solidFill>
+              <a:schemeClr val="accent6">
+                <a:lumMod val="50000"/>
+              </a:schemeClr>
+            </a:solidFill>
+          </a:ln>
+        </p:spPr>
+        <p:style>
+          <a:lnRef idx="2">
+            <a:schemeClr val="accent1">
+              <a:shade val="50000"/>
+            </a:schemeClr>
+          </a:lnRef>
+          <a:fillRef idx="1">
+            <a:schemeClr val="accent1"/>
+          </a:fillRef>
+          <a:effectRef idx="0">
+            <a:schemeClr val="accent1"/>
+          </a:effectRef>
+          <a:fontRef idx="minor">
+            <a:schemeClr val="lt1"/>
+          </a:fontRef>
+        </p:style>
+      </p:cxnSp>
+    </p:spTree>
+    <p:extLst>
+      <p:ext uri="{BB962C8B-B14F-4D97-AF65-F5344CB8AC3E}">
+        <p14:creationId xmlns:p14="http://schemas.microsoft.com/office/powerpoint/2010/main" val="4197868350"/>
+      </p:ext>
+    </p:extLst>
+  </p:cSld>
+  <p:clrMapOvr>
+    <a:masterClrMapping/>
+  </p:clrMapOvr>
+</p:sld>
+</file>
+
+<file path=ppt/slides/slide8.xml><?xml version="1.0" encoding="utf-8"?>
+<p:sld xmlns:a="http://schemas.openxmlformats.org/drawingml/2006/main" xmlns:r="http://schemas.openxmlformats.org/officeDocument/2006/relationships" xmlns:p="http://schemas.openxmlformats.org/presentationml/2006/main">
+  <p:cSld>
+    <p:spTree>
+      <p:nvGrpSpPr>
+        <p:cNvPr id="1" name=""/>
+        <p:cNvGrpSpPr/>
+        <p:nvPr/>
+      </p:nvGrpSpPr>
+      <p:grpSpPr>
+        <a:xfrm>
+          <a:off x="0" y="0"/>
+          <a:ext cx="0" cy="0"/>
+          <a:chOff x="0" y="0"/>
+          <a:chExt cx="0" cy="0"/>
+        </a:xfrm>
+      </p:grpSpPr>
+      <p:sp>
+        <p:nvSpPr>
+          <p:cNvPr id="4" name="Ellipse 3"/>
+          <p:cNvSpPr/>
+          <p:nvPr/>
+        </p:nvSpPr>
+        <p:spPr>
+          <a:xfrm>
+            <a:off x="1691680" y="2409245"/>
+            <a:ext cx="288032" cy="288032"/>
+          </a:xfrm>
+          <a:prstGeom prst="ellipse">
+            <a:avLst/>
+          </a:prstGeom>
+          <a:solidFill>
+            <a:schemeClr val="accent4">
+              <a:lumMod val="20000"/>
+              <a:lumOff val="80000"/>
+            </a:schemeClr>
+          </a:solidFill>
+          <a:ln w="19050">
+            <a:solidFill>
+              <a:schemeClr val="accent4"/>
+            </a:solidFill>
+          </a:ln>
+        </p:spPr>
+        <p:style>
+          <a:lnRef idx="2">
+            <a:schemeClr val="accent1">
+              <a:shade val="50000"/>
+            </a:schemeClr>
+          </a:lnRef>
+          <a:fillRef idx="1">
+            <a:schemeClr val="accent1"/>
+          </a:fillRef>
+          <a:effectRef idx="0">
+            <a:schemeClr val="accent1"/>
+          </a:effectRef>
+          <a:fontRef idx="minor">
+            <a:schemeClr val="lt1"/>
+          </a:fontRef>
+        </p:style>
+        <p:txBody>
+          <a:bodyPr lIns="0" tIns="0" rIns="0" bIns="0" rtlCol="0" anchor="ctr"/>
+          <a:lstStyle/>
+          <a:p>
+            <a:pPr algn="ctr"/>
+            <a:r>
+              <a:rPr lang="fr-FR" sz="1400" b="1" dirty="0" smtClean="0">
+                <a:solidFill>
+                  <a:schemeClr val="accent4"/>
+                </a:solidFill>
+              </a:rPr>
+              <a:t>1</a:t>
+            </a:r>
+            <a:r>
+              <a:rPr lang="fr-FR" sz="1400" b="1" baseline="-25000" dirty="0" smtClean="0">
+                <a:solidFill>
+                  <a:schemeClr val="accent4"/>
+                </a:solidFill>
+              </a:rPr>
+              <a:t>c</a:t>
+            </a:r>
+            <a:endParaRPr lang="fr-FR" sz="1400" b="1" baseline="-25000" dirty="0">
+              <a:solidFill>
+                <a:schemeClr val="accent4"/>
+              </a:solidFill>
+            </a:endParaRPr>
+          </a:p>
+        </p:txBody>
+      </p:sp>
+      <p:sp>
+        <p:nvSpPr>
+          <p:cNvPr id="8" name="Ellipse 7"/>
+          <p:cNvSpPr/>
+          <p:nvPr/>
+        </p:nvSpPr>
+        <p:spPr>
+          <a:xfrm>
+            <a:off x="323528" y="1813199"/>
+            <a:ext cx="288032" cy="288032"/>
+          </a:xfrm>
+          <a:prstGeom prst="ellipse">
+            <a:avLst/>
+          </a:prstGeom>
+          <a:solidFill>
+            <a:schemeClr val="accent6">
+              <a:lumMod val="20000"/>
+              <a:lumOff val="80000"/>
+            </a:schemeClr>
+          </a:solidFill>
+          <a:ln w="19050">
+            <a:solidFill>
+              <a:schemeClr val="accent6">
+                <a:lumMod val="50000"/>
+              </a:schemeClr>
+            </a:solidFill>
+          </a:ln>
+        </p:spPr>
+        <p:style>
+          <a:lnRef idx="2">
+            <a:schemeClr val="accent1">
+              <a:shade val="50000"/>
+            </a:schemeClr>
+          </a:lnRef>
+          <a:fillRef idx="1">
+            <a:schemeClr val="accent1"/>
+          </a:fillRef>
+          <a:effectRef idx="0">
+            <a:schemeClr val="accent1"/>
+          </a:effectRef>
+          <a:fontRef idx="minor">
+            <a:schemeClr val="lt1"/>
+          </a:fontRef>
+        </p:style>
+        <p:txBody>
+          <a:bodyPr rtlCol="0" anchor="ctr"/>
+          <a:lstStyle/>
+          <a:p>
+            <a:pPr algn="ctr"/>
+            <a:r>
+              <a:rPr lang="fr-FR" sz="1400" b="1" dirty="0" smtClean="0">
+                <a:solidFill>
+                  <a:schemeClr val="accent6">
+                    <a:lumMod val="50000"/>
+                  </a:schemeClr>
+                </a:solidFill>
+              </a:rPr>
+              <a:t>0</a:t>
+            </a:r>
+            <a:endParaRPr lang="fr-FR" sz="1400" b="1" dirty="0">
+              <a:solidFill>
+                <a:schemeClr val="accent6">
+                  <a:lumMod val="50000"/>
+                </a:schemeClr>
+              </a:solidFill>
+            </a:endParaRPr>
+          </a:p>
+        </p:txBody>
+      </p:sp>
+      <p:cxnSp>
+        <p:nvCxnSpPr>
+          <p:cNvPr id="10" name="Connecteur droit 9"/>
+          <p:cNvCxnSpPr>
+            <a:stCxn id="8" idx="5"/>
+            <a:endCxn id="4" idx="2"/>
+          </p:cNvCxnSpPr>
+          <p:nvPr/>
+        </p:nvCxnSpPr>
+        <p:spPr>
+          <a:xfrm>
+            <a:off x="569379" y="2059050"/>
+            <a:ext cx="1122301" cy="494211"/>
+          </a:xfrm>
+          <a:prstGeom prst="line">
+            <a:avLst/>
+          </a:prstGeom>
+          <a:ln w="19050">
+            <a:solidFill>
+              <a:schemeClr val="tx1"/>
+            </a:solidFill>
+          </a:ln>
+        </p:spPr>
+        <p:style>
+          <a:lnRef idx="1">
+            <a:schemeClr val="accent1"/>
+          </a:lnRef>
+          <a:fillRef idx="0">
+            <a:schemeClr val="accent1"/>
+          </a:fillRef>
+          <a:effectRef idx="0">
+            <a:schemeClr val="accent1"/>
+          </a:effectRef>
+          <a:fontRef idx="minor">
+            <a:schemeClr val="tx1"/>
+          </a:fontRef>
+        </p:style>
+      </p:cxnSp>
+      <mc:AlternateContent xmlns:mc="http://schemas.openxmlformats.org/markup-compatibility/2006">
+        <mc:Choice xmlns:a14="http://schemas.microsoft.com/office/drawing/2010/main" Requires="a14">
+          <p:sp>
+            <p:nvSpPr>
+              <p:cNvPr id="31" name="ZoneTexte 30"/>
+              <p:cNvSpPr txBox="1"/>
+              <p:nvPr/>
+            </p:nvSpPr>
+            <p:spPr>
+              <a:xfrm rot="20294915">
+                <a:off x="701499" y="1429981"/>
+                <a:ext cx="777842" cy="246221"/>
+              </a:xfrm>
+              <a:prstGeom prst="rect">
+                <a:avLst/>
+              </a:prstGeom>
+              <a:noFill/>
+            </p:spPr>
+            <p:txBody>
+              <a:bodyPr wrap="none" rtlCol="0">
+                <a:spAutoFit/>
+              </a:bodyPr>
+              <a:lstStyle/>
+              <a:p>
+                <a:r>
+                  <a:rPr lang="fr-FR" sz="1000" b="0" dirty="0" smtClean="0"/>
+                  <a:t>Pivot </a:t>
+                </a:r>
+                <a14:m>
+                  <m:oMath xmlns:m="http://schemas.openxmlformats.org/officeDocument/2006/math">
+                    <m:d>
+                      <m:dPr>
+                        <m:ctrlPr>
+                          <a:rPr lang="fr-FR" sz="1000" b="0" i="1" smtClean="0">
+                            <a:latin typeface="Cambria Math"/>
+                          </a:rPr>
+                        </m:ctrlPr>
+                      </m:dPr>
+                      <m:e>
+                        <m:r>
+                          <a:rPr lang="fr-FR" sz="1000" b="0" i="1" smtClean="0">
+                            <a:latin typeface="Cambria Math"/>
+                          </a:rPr>
+                          <m:t>𝑃</m:t>
+                        </m:r>
+                        <m:r>
+                          <a:rPr lang="fr-FR" sz="1000" b="0" i="1" smtClean="0">
+                            <a:latin typeface="Cambria Math"/>
+                          </a:rPr>
+                          <m:t>,</m:t>
+                        </m:r>
+                        <m:acc>
+                          <m:accPr>
+                            <m:chr m:val="⃗"/>
+                            <m:ctrlPr>
+                              <a:rPr lang="fr-FR" sz="1000" b="0" i="1" smtClean="0">
+                                <a:latin typeface="Cambria Math"/>
+                              </a:rPr>
+                            </m:ctrlPr>
+                          </m:accPr>
+                          <m:e>
+                            <m:r>
+                              <a:rPr lang="fr-FR" sz="1000" b="0" i="1" smtClean="0">
+                                <a:latin typeface="Cambria Math"/>
+                              </a:rPr>
+                              <m:t>𝑧</m:t>
+                            </m:r>
+                          </m:e>
+                        </m:acc>
+                      </m:e>
+                    </m:d>
+                  </m:oMath>
+                </a14:m>
+                <a:endParaRPr lang="fr-FR" sz="1000" dirty="0"/>
+              </a:p>
+            </p:txBody>
+          </p:sp>
+        </mc:Choice>
+        <mc:Fallback>
+          <p:sp>
+            <p:nvSpPr>
+              <p:cNvPr id="31" name="ZoneTexte 30"/>
+              <p:cNvSpPr txBox="1">
+                <a:spLocks noRot="1" noChangeAspect="1" noMove="1" noResize="1" noEditPoints="1" noAdjustHandles="1" noChangeArrowheads="1" noChangeShapeType="1" noTextEdit="1"/>
+              </p:cNvSpPr>
+              <p:nvPr/>
+            </p:nvSpPr>
+            <p:spPr>
+              <a:xfrm rot="20294915">
+                <a:off x="701499" y="1429981"/>
+                <a:ext cx="777842" cy="246221"/>
+              </a:xfrm>
+              <a:prstGeom prst="rect">
+                <a:avLst/>
+              </a:prstGeom>
+              <a:blipFill rotWithShape="1">
+                <a:blip r:embed="rId2"/>
+                <a:stretch>
+                  <a:fillRect t="-5814" r="-5224" b="-3488"/>
+                </a:stretch>
+              </a:blipFill>
+            </p:spPr>
+            <p:txBody>
+              <a:bodyPr/>
+              <a:lstStyle/>
+              <a:p>
+                <a:r>
+                  <a:rPr lang="fr-FR">
+                    <a:noFill/>
+                  </a:rPr>
+                  <a:t> </a:t>
+                </a:r>
+              </a:p>
+            </p:txBody>
+          </p:sp>
+        </mc:Fallback>
+      </mc:AlternateContent>
+      <mc:AlternateContent xmlns:mc="http://schemas.openxmlformats.org/markup-compatibility/2006">
+        <mc:Choice xmlns:a14="http://schemas.microsoft.com/office/drawing/2010/main" Requires="a14">
+          <p:sp>
+            <p:nvSpPr>
+              <p:cNvPr id="37" name="Rectangle 36"/>
+              <p:cNvSpPr/>
+              <p:nvPr/>
+            </p:nvSpPr>
+            <p:spPr>
+              <a:xfrm rot="20302500">
+                <a:off x="884171" y="1583938"/>
+                <a:ext cx="548548" cy="246221"/>
+              </a:xfrm>
+              <a:prstGeom prst="rect">
+                <a:avLst/>
+              </a:prstGeom>
+            </p:spPr>
+            <p:txBody>
+              <a:bodyPr wrap="none">
+                <a:spAutoFit/>
+              </a:bodyPr>
+              <a:lstStyle/>
+              <a:p>
+                <a:pPr/>
+                <a14:m>
+                  <m:oMathPara xmlns:m="http://schemas.openxmlformats.org/officeDocument/2006/math">
+                    <m:oMathParaPr>
+                      <m:jc m:val="centerGroup"/>
+                    </m:oMathParaPr>
+                    <m:oMath xmlns:m="http://schemas.openxmlformats.org/officeDocument/2006/math">
+                      <m:sSub>
+                        <m:sSubPr>
+                          <m:ctrlPr>
+                            <a:rPr lang="fr-FR" sz="1000" i="1" smtClean="0">
+                              <a:latin typeface="Cambria Math"/>
+                            </a:rPr>
+                          </m:ctrlPr>
+                        </m:sSubPr>
+                        <m:e>
+                          <m:r>
+                            <a:rPr lang="fr-FR" sz="1000" b="0" i="1" smtClean="0">
+                              <a:latin typeface="Cambria Math"/>
+                            </a:rPr>
+                            <m:t>𝐶</m:t>
+                          </m:r>
+                        </m:e>
+                        <m:sub>
+                          <m:r>
+                            <m:rPr>
+                              <m:sty m:val="p"/>
+                            </m:rPr>
+                            <a:rPr lang="fr-FR" sz="1000" b="0" i="0" smtClean="0">
+                              <a:latin typeface="Cambria Math"/>
+                            </a:rPr>
+                            <m:t>m</m:t>
+                          </m:r>
+                          <m:r>
+                            <a:rPr lang="fr-FR" sz="1000" b="0" i="0" smtClean="0">
+                              <a:latin typeface="Cambria Math"/>
+                            </a:rPr>
+                            <m:t>0</m:t>
+                          </m:r>
+                          <m:r>
+                            <a:rPr lang="fr-FR" sz="1000" b="0" i="1" smtClean="0">
+                              <a:latin typeface="Cambria Math"/>
+                            </a:rPr>
+                            <m:t>1</m:t>
+                          </m:r>
+                        </m:sub>
+                      </m:sSub>
+                      <m:acc>
+                        <m:accPr>
+                          <m:chr m:val="⃗"/>
+                          <m:ctrlPr>
+                            <a:rPr lang="fr-FR" sz="1000" i="1">
+                              <a:latin typeface="Cambria Math"/>
+                            </a:rPr>
+                          </m:ctrlPr>
+                        </m:accPr>
+                        <m:e>
+                          <m:r>
+                            <a:rPr lang="fr-FR" sz="1000" i="1" smtClean="0">
+                              <a:latin typeface="Cambria Math"/>
+                            </a:rPr>
+                            <m:t>𝑧</m:t>
+                          </m:r>
+                        </m:e>
+                      </m:acc>
+                    </m:oMath>
+                  </m:oMathPara>
+                </a14:m>
+                <a:endParaRPr lang="fr-FR" sz="1000" dirty="0"/>
+              </a:p>
+            </p:txBody>
+          </p:sp>
+        </mc:Choice>
+        <mc:Fallback>
+          <p:sp>
+            <p:nvSpPr>
+              <p:cNvPr id="37" name="Rectangle 36"/>
+              <p:cNvSpPr>
+                <a:spLocks noRot="1" noChangeAspect="1" noMove="1" noResize="1" noEditPoints="1" noAdjustHandles="1" noChangeArrowheads="1" noChangeShapeType="1" noTextEdit="1"/>
+              </p:cNvSpPr>
+              <p:nvPr/>
+            </p:nvSpPr>
+            <p:spPr>
+              <a:xfrm rot="20302500">
+                <a:off x="884171" y="1583938"/>
+                <a:ext cx="548548" cy="246221"/>
+              </a:xfrm>
+              <a:prstGeom prst="rect">
+                <a:avLst/>
+              </a:prstGeom>
+              <a:blipFill rotWithShape="1">
+                <a:blip r:embed="rId3"/>
+                <a:stretch>
+                  <a:fillRect t="-11111" r="-14000"/>
+                </a:stretch>
+              </a:blipFill>
+            </p:spPr>
+            <p:txBody>
+              <a:bodyPr/>
+              <a:lstStyle/>
+              <a:p>
+                <a:r>
+                  <a:rPr lang="fr-FR">
+                    <a:noFill/>
+                  </a:rPr>
+                  <a:t> </a:t>
+                </a:r>
+              </a:p>
+            </p:txBody>
+          </p:sp>
+        </mc:Fallback>
+      </mc:AlternateContent>
+      <mc:AlternateContent xmlns:mc="http://schemas.openxmlformats.org/markup-compatibility/2006">
+        <mc:Choice xmlns:a14="http://schemas.microsoft.com/office/drawing/2010/main" Requires="a14">
+          <p:sp>
+            <p:nvSpPr>
+              <p:cNvPr id="41" name="ZoneTexte 40"/>
+              <p:cNvSpPr txBox="1"/>
+              <p:nvPr/>
+            </p:nvSpPr>
+            <p:spPr>
+              <a:xfrm rot="1457902">
+                <a:off x="692947" y="2254771"/>
+                <a:ext cx="777842" cy="246221"/>
+              </a:xfrm>
+              <a:prstGeom prst="rect">
+                <a:avLst/>
+              </a:prstGeom>
+              <a:noFill/>
+            </p:spPr>
+            <p:txBody>
+              <a:bodyPr wrap="none" rtlCol="0">
+                <a:spAutoFit/>
+              </a:bodyPr>
+              <a:lstStyle/>
+              <a:p>
+                <a:r>
+                  <a:rPr lang="fr-FR" sz="1000" b="0" dirty="0" smtClean="0"/>
+                  <a:t>Pivot </a:t>
+                </a:r>
+                <a14:m>
+                  <m:oMath xmlns:m="http://schemas.openxmlformats.org/officeDocument/2006/math">
+                    <m:d>
+                      <m:dPr>
+                        <m:ctrlPr>
+                          <a:rPr lang="fr-FR" sz="1000" b="0" i="1" smtClean="0">
+                            <a:latin typeface="Cambria Math"/>
+                          </a:rPr>
+                        </m:ctrlPr>
+                      </m:dPr>
+                      <m:e>
+                        <m:r>
+                          <a:rPr lang="fr-FR" sz="1000" b="0" i="1" smtClean="0">
+                            <a:latin typeface="Cambria Math"/>
+                          </a:rPr>
+                          <m:t>𝑃</m:t>
+                        </m:r>
+                        <m:r>
+                          <a:rPr lang="fr-FR" sz="1000" b="0" i="1" smtClean="0">
+                            <a:latin typeface="Cambria Math"/>
+                          </a:rPr>
+                          <m:t>,</m:t>
+                        </m:r>
+                        <m:acc>
+                          <m:accPr>
+                            <m:chr m:val="⃗"/>
+                            <m:ctrlPr>
+                              <a:rPr lang="fr-FR" sz="1000" b="0" i="1" smtClean="0">
+                                <a:latin typeface="Cambria Math"/>
+                              </a:rPr>
+                            </m:ctrlPr>
+                          </m:accPr>
+                          <m:e>
+                            <m:r>
+                              <a:rPr lang="fr-FR" sz="1000" b="0" i="1" smtClean="0">
+                                <a:latin typeface="Cambria Math"/>
+                              </a:rPr>
+                              <m:t>𝑧</m:t>
+                            </m:r>
+                          </m:e>
+                        </m:acc>
+                      </m:e>
+                    </m:d>
+                  </m:oMath>
+                </a14:m>
+                <a:endParaRPr lang="fr-FR" sz="1000" dirty="0"/>
+              </a:p>
+            </p:txBody>
+          </p:sp>
+        </mc:Choice>
+        <mc:Fallback>
+          <p:sp>
+            <p:nvSpPr>
+              <p:cNvPr id="41" name="ZoneTexte 40"/>
+              <p:cNvSpPr txBox="1">
+                <a:spLocks noRot="1" noChangeAspect="1" noMove="1" noResize="1" noEditPoints="1" noAdjustHandles="1" noChangeArrowheads="1" noChangeShapeType="1" noTextEdit="1"/>
+              </p:cNvSpPr>
+              <p:nvPr/>
+            </p:nvSpPr>
+            <p:spPr>
+              <a:xfrm rot="1457902">
+                <a:off x="692947" y="2254771"/>
+                <a:ext cx="777842" cy="246221"/>
+              </a:xfrm>
+              <a:prstGeom prst="rect">
+                <a:avLst/>
+              </a:prstGeom>
+              <a:blipFill rotWithShape="1">
+                <a:blip r:embed="rId4"/>
+                <a:stretch>
+                  <a:fillRect r="-8271"/>
+                </a:stretch>
+              </a:blipFill>
+            </p:spPr>
+            <p:txBody>
+              <a:bodyPr/>
+              <a:lstStyle/>
+              <a:p>
+                <a:r>
+                  <a:rPr lang="fr-FR">
+                    <a:noFill/>
+                  </a:rPr>
+                  <a:t> </a:t>
+                </a:r>
+              </a:p>
+            </p:txBody>
+          </p:sp>
+        </mc:Fallback>
+      </mc:AlternateContent>
+      <p:sp>
+        <p:nvSpPr>
+          <p:cNvPr id="43" name="Rectangle 42"/>
+          <p:cNvSpPr/>
+          <p:nvPr/>
+        </p:nvSpPr>
+        <p:spPr>
+          <a:xfrm>
+            <a:off x="0" y="1813200"/>
+            <a:ext cx="152400" cy="286396"/>
+          </a:xfrm>
+          <a:prstGeom prst="rect">
+            <a:avLst/>
+          </a:prstGeom>
+          <a:solidFill>
+            <a:schemeClr val="accent6">
+              <a:lumMod val="20000"/>
+              <a:lumOff val="80000"/>
+            </a:schemeClr>
+          </a:solidFill>
+          <a:ln w="19050">
+            <a:noFill/>
+          </a:ln>
+        </p:spPr>
+        <p:style>
+          <a:lnRef idx="2">
+            <a:schemeClr val="accent1">
+              <a:shade val="50000"/>
+            </a:schemeClr>
+          </a:lnRef>
+          <a:fillRef idx="1">
+            <a:schemeClr val="accent1"/>
+          </a:fillRef>
+          <a:effectRef idx="0">
+            <a:schemeClr val="accent1"/>
+          </a:effectRef>
+          <a:fontRef idx="minor">
+            <a:schemeClr val="lt1"/>
+          </a:fontRef>
+        </p:style>
+        <p:txBody>
+          <a:bodyPr rtlCol="0" anchor="ctr"/>
+          <a:lstStyle/>
+          <a:p>
+            <a:pPr algn="ctr"/>
+            <a:endParaRPr lang="fr-FR" sz="1400" b="1">
+              <a:solidFill>
+                <a:schemeClr val="accent6">
+                  <a:lumMod val="50000"/>
+                </a:schemeClr>
+              </a:solidFill>
+            </a:endParaRPr>
+          </a:p>
+        </p:txBody>
+      </p:sp>
+      <p:cxnSp>
+        <p:nvCxnSpPr>
+          <p:cNvPr id="44" name="Connecteur droit 43"/>
+          <p:cNvCxnSpPr/>
+          <p:nvPr/>
+        </p:nvCxnSpPr>
+        <p:spPr>
+          <a:xfrm>
+            <a:off x="152400" y="1957215"/>
+            <a:ext cx="171128" cy="0"/>
+          </a:xfrm>
+          <a:prstGeom prst="line">
+            <a:avLst/>
+          </a:prstGeom>
+          <a:solidFill>
+            <a:schemeClr val="accent6">
+              <a:lumMod val="20000"/>
+              <a:lumOff val="80000"/>
+            </a:schemeClr>
+          </a:solidFill>
+          <a:ln w="19050">
+            <a:solidFill>
+              <a:schemeClr val="accent6">
+                <a:lumMod val="50000"/>
+              </a:schemeClr>
+            </a:solidFill>
+          </a:ln>
+        </p:spPr>
+        <p:style>
+          <a:lnRef idx="2">
+            <a:schemeClr val="accent1">
+              <a:shade val="50000"/>
+            </a:schemeClr>
+          </a:lnRef>
+          <a:fillRef idx="1">
+            <a:schemeClr val="accent1"/>
+          </a:fillRef>
+          <a:effectRef idx="0">
+            <a:schemeClr val="accent1"/>
+          </a:effectRef>
+          <a:fontRef idx="minor">
+            <a:schemeClr val="lt1"/>
+          </a:fontRef>
+        </p:style>
+      </p:cxnSp>
+      <p:cxnSp>
+        <p:nvCxnSpPr>
+          <p:cNvPr id="45" name="Connecteur droit 44"/>
+          <p:cNvCxnSpPr/>
+          <p:nvPr/>
+        </p:nvCxnSpPr>
+        <p:spPr>
+          <a:xfrm flipV="1">
+            <a:off x="152400" y="1813200"/>
+            <a:ext cx="0" cy="288031"/>
+          </a:xfrm>
+          <a:prstGeom prst="line">
+            <a:avLst/>
+          </a:prstGeom>
+          <a:solidFill>
+            <a:schemeClr val="accent6">
+              <a:lumMod val="20000"/>
+              <a:lumOff val="80000"/>
+            </a:schemeClr>
+          </a:solidFill>
+          <a:ln w="19050">
+            <a:solidFill>
+              <a:schemeClr val="accent6">
+                <a:lumMod val="50000"/>
+              </a:schemeClr>
+            </a:solidFill>
+          </a:ln>
+        </p:spPr>
+        <p:style>
+          <a:lnRef idx="2">
+            <a:schemeClr val="accent1">
+              <a:shade val="50000"/>
+            </a:schemeClr>
+          </a:lnRef>
+          <a:fillRef idx="1">
+            <a:schemeClr val="accent1"/>
+          </a:fillRef>
+          <a:effectRef idx="0">
+            <a:schemeClr val="accent1"/>
+          </a:effectRef>
+          <a:fontRef idx="minor">
+            <a:schemeClr val="lt1"/>
+          </a:fontRef>
+        </p:style>
+      </p:cxnSp>
+      <p:sp>
+        <p:nvSpPr>
+          <p:cNvPr id="13" name="Ellipse 12"/>
+          <p:cNvSpPr/>
+          <p:nvPr/>
+        </p:nvSpPr>
+        <p:spPr>
+          <a:xfrm>
+            <a:off x="1691680" y="1268760"/>
+            <a:ext cx="288032" cy="288032"/>
+          </a:xfrm>
+          <a:prstGeom prst="ellipse">
+            <a:avLst/>
+          </a:prstGeom>
+          <a:solidFill>
+            <a:schemeClr val="accent4">
+              <a:lumMod val="20000"/>
+              <a:lumOff val="80000"/>
+            </a:schemeClr>
+          </a:solidFill>
+          <a:ln w="19050">
+            <a:solidFill>
+              <a:schemeClr val="accent4"/>
+            </a:solidFill>
+          </a:ln>
+        </p:spPr>
+        <p:style>
+          <a:lnRef idx="2">
+            <a:schemeClr val="accent1">
+              <a:shade val="50000"/>
+            </a:schemeClr>
+          </a:lnRef>
+          <a:fillRef idx="1">
+            <a:schemeClr val="accent1"/>
+          </a:fillRef>
+          <a:effectRef idx="0">
+            <a:schemeClr val="accent1"/>
+          </a:effectRef>
+          <a:fontRef idx="minor">
+            <a:schemeClr val="lt1"/>
+          </a:fontRef>
+        </p:style>
+        <p:txBody>
+          <a:bodyPr lIns="0" tIns="0" rIns="0" bIns="0" rtlCol="0" anchor="ctr"/>
+          <a:lstStyle/>
+          <a:p>
+            <a:pPr algn="ctr"/>
+            <a:r>
+              <a:rPr lang="fr-FR" sz="1400" b="1" dirty="0" smtClean="0">
+                <a:solidFill>
+                  <a:schemeClr val="accent4"/>
+                </a:solidFill>
+              </a:rPr>
+              <a:t>1</a:t>
+            </a:r>
+            <a:r>
+              <a:rPr lang="fr-FR" sz="1400" b="1" baseline="-25000" dirty="0" smtClean="0">
+                <a:solidFill>
+                  <a:schemeClr val="accent4"/>
+                </a:solidFill>
+              </a:rPr>
+              <a:t>a</a:t>
+            </a:r>
+            <a:endParaRPr lang="fr-FR" sz="1400" b="1" baseline="-25000" dirty="0">
+              <a:solidFill>
+                <a:schemeClr val="accent4"/>
+              </a:solidFill>
+            </a:endParaRPr>
+          </a:p>
+        </p:txBody>
+      </p:sp>
+      <p:cxnSp>
+        <p:nvCxnSpPr>
+          <p:cNvPr id="15" name="Connecteur droit 14"/>
+          <p:cNvCxnSpPr>
+            <a:stCxn id="8" idx="7"/>
+            <a:endCxn id="13" idx="2"/>
+          </p:cNvCxnSpPr>
+          <p:nvPr/>
+        </p:nvCxnSpPr>
+        <p:spPr>
+          <a:xfrm flipV="1">
+            <a:off x="569379" y="1412776"/>
+            <a:ext cx="1122301" cy="442604"/>
+          </a:xfrm>
+          <a:prstGeom prst="line">
+            <a:avLst/>
+          </a:prstGeom>
+          <a:ln w="19050">
+            <a:solidFill>
+              <a:schemeClr val="tx1"/>
+            </a:solidFill>
+          </a:ln>
+        </p:spPr>
+        <p:style>
+          <a:lnRef idx="1">
+            <a:schemeClr val="accent1"/>
+          </a:lnRef>
+          <a:fillRef idx="0">
+            <a:schemeClr val="accent1"/>
+          </a:fillRef>
+          <a:effectRef idx="0">
+            <a:schemeClr val="accent1"/>
+          </a:effectRef>
+          <a:fontRef idx="minor">
+            <a:schemeClr val="tx1"/>
+          </a:fontRef>
+        </p:style>
+      </p:cxnSp>
+      <p:cxnSp>
+        <p:nvCxnSpPr>
+          <p:cNvPr id="19" name="Connecteur droit 18"/>
+          <p:cNvCxnSpPr>
+            <a:stCxn id="13" idx="4"/>
+            <a:endCxn id="4" idx="0"/>
+          </p:cNvCxnSpPr>
+          <p:nvPr/>
+        </p:nvCxnSpPr>
+        <p:spPr>
+          <a:xfrm>
+            <a:off x="1835696" y="1556792"/>
+            <a:ext cx="0" cy="852453"/>
+          </a:xfrm>
+          <a:prstGeom prst="line">
+            <a:avLst/>
+          </a:prstGeom>
+          <a:ln w="19050">
+            <a:solidFill>
+              <a:schemeClr val="tx1"/>
+            </a:solidFill>
+          </a:ln>
+        </p:spPr>
+        <p:style>
+          <a:lnRef idx="1">
+            <a:schemeClr val="accent1"/>
+          </a:lnRef>
+          <a:fillRef idx="0">
+            <a:schemeClr val="accent1"/>
+          </a:fillRef>
+          <a:effectRef idx="0">
+            <a:schemeClr val="accent1"/>
+          </a:effectRef>
+          <a:fontRef idx="minor">
+            <a:schemeClr val="tx1"/>
+          </a:fontRef>
+        </p:style>
+      </p:cxnSp>
+      <p:sp>
+        <p:nvSpPr>
+          <p:cNvPr id="22" name="Ellipse 21"/>
+          <p:cNvSpPr/>
+          <p:nvPr/>
+        </p:nvSpPr>
+        <p:spPr>
+          <a:xfrm>
+            <a:off x="1691680" y="1811564"/>
+            <a:ext cx="288032" cy="288032"/>
+          </a:xfrm>
+          <a:prstGeom prst="ellipse">
+            <a:avLst/>
+          </a:prstGeom>
+          <a:solidFill>
+            <a:schemeClr val="accent4">
+              <a:lumMod val="20000"/>
+              <a:lumOff val="80000"/>
+            </a:schemeClr>
+          </a:solidFill>
+          <a:ln w="19050">
+            <a:solidFill>
+              <a:schemeClr val="accent4"/>
+            </a:solidFill>
+          </a:ln>
+        </p:spPr>
+        <p:style>
+          <a:lnRef idx="2">
+            <a:schemeClr val="accent1">
+              <a:shade val="50000"/>
+            </a:schemeClr>
+          </a:lnRef>
+          <a:fillRef idx="1">
+            <a:schemeClr val="accent1"/>
+          </a:fillRef>
+          <a:effectRef idx="0">
+            <a:schemeClr val="accent1"/>
+          </a:effectRef>
+          <a:fontRef idx="minor">
+            <a:schemeClr val="lt1"/>
+          </a:fontRef>
+        </p:style>
+        <p:txBody>
+          <a:bodyPr lIns="0" tIns="0" rIns="0" bIns="0" rtlCol="0" anchor="ctr"/>
+          <a:lstStyle/>
+          <a:p>
+            <a:pPr algn="ctr"/>
+            <a:r>
+              <a:rPr lang="fr-FR" sz="1400" b="1" dirty="0" smtClean="0">
+                <a:solidFill>
+                  <a:schemeClr val="accent4"/>
+                </a:solidFill>
+              </a:rPr>
+              <a:t>1</a:t>
+            </a:r>
+            <a:r>
+              <a:rPr lang="fr-FR" sz="1400" b="1" baseline="-25000" dirty="0" smtClean="0">
+                <a:solidFill>
+                  <a:schemeClr val="accent4"/>
+                </a:solidFill>
+              </a:rPr>
+              <a:t>b</a:t>
+            </a:r>
+            <a:endParaRPr lang="fr-FR" sz="1400" b="1" baseline="-25000" dirty="0">
+              <a:solidFill>
+                <a:schemeClr val="accent4"/>
+              </a:solidFill>
+            </a:endParaRPr>
+          </a:p>
+        </p:txBody>
+      </p:sp>
+      <mc:AlternateContent xmlns:mc="http://schemas.openxmlformats.org/markup-compatibility/2006">
+        <mc:Choice xmlns:a14="http://schemas.microsoft.com/office/drawing/2010/main" Requires="a14">
+          <p:sp>
+            <p:nvSpPr>
+              <p:cNvPr id="16" name="ZoneTexte 15"/>
+              <p:cNvSpPr txBox="1"/>
+              <p:nvPr/>
+            </p:nvSpPr>
+            <p:spPr>
+              <a:xfrm>
+                <a:off x="1979712" y="1407804"/>
+                <a:ext cx="1186094" cy="585545"/>
+              </a:xfrm>
+              <a:prstGeom prst="rect">
+                <a:avLst/>
+              </a:prstGeom>
+              <a:noFill/>
+            </p:spPr>
+            <p:txBody>
+              <a:bodyPr wrap="none" rtlCol="0">
+                <a:spAutoFit/>
+              </a:bodyPr>
+              <a:lstStyle/>
+              <a:p>
+                <a14:m>
+                  <m:oMathPara xmlns:m="http://schemas.openxmlformats.org/officeDocument/2006/math">
+                    <m:oMathParaPr>
+                      <m:jc m:val="centerGroup"/>
+                    </m:oMathParaPr>
+                    <m:oMath xmlns:m="http://schemas.openxmlformats.org/officeDocument/2006/math">
+                      <m:sSub>
+                        <m:sSubPr>
+                          <m:ctrlPr>
+                            <a:rPr lang="fr-FR" sz="1050" b="0" i="1" smtClean="0">
+                              <a:latin typeface="Cambria Math"/>
+                            </a:rPr>
+                          </m:ctrlPr>
+                        </m:sSubPr>
+                        <m:e>
+                          <m:d>
+                            <m:dPr>
+                              <m:begChr m:val="{"/>
+                              <m:endChr m:val="}"/>
+                              <m:ctrlPr>
+                                <a:rPr lang="fr-FR" sz="1050" i="1" smtClean="0">
+                                  <a:latin typeface="Cambria Math"/>
+                                </a:rPr>
+                              </m:ctrlPr>
+                            </m:dPr>
+                            <m:e>
+                              <m:m>
+                                <m:mPr>
+                                  <m:mcs>
+                                    <m:mc>
+                                      <m:mcPr>
+                                        <m:count m:val="2"/>
+                                        <m:mcJc m:val="center"/>
+                                      </m:mcPr>
+                                    </m:mc>
+                                  </m:mcs>
+                                  <m:ctrlPr>
+                                    <a:rPr lang="fr-FR" sz="1050" i="1">
+                                      <a:latin typeface="Cambria Math"/>
+                                    </a:rPr>
+                                  </m:ctrlPr>
+                                </m:mPr>
+                                <m:mr>
+                                  <m:e>
+                                    <m:r>
+                                      <m:rPr>
+                                        <m:brk m:alnAt="7"/>
+                                      </m:rPr>
+                                      <a:rPr lang="fr-FR" sz="1050" b="0" i="1" smtClean="0">
+                                        <a:latin typeface="Cambria Math"/>
+                                      </a:rPr>
+                                      <m:t>0</m:t>
+                                    </m:r>
+                                  </m:e>
+                                  <m:e>
+                                    <m:r>
+                                      <a:rPr lang="fr-FR" sz="1050" b="0" i="1" smtClean="0">
+                                        <a:latin typeface="Cambria Math"/>
+                                      </a:rPr>
+                                      <m:t>0</m:t>
+                                    </m:r>
+                                  </m:e>
+                                </m:mr>
+                                <m:mr>
+                                  <m:e>
+                                    <m:r>
+                                      <a:rPr lang="fr-FR" sz="1050" b="0" i="1" smtClean="0">
+                                        <a:latin typeface="Cambria Math"/>
+                                      </a:rPr>
+                                      <m:t>0</m:t>
+                                    </m:r>
+                                  </m:e>
+                                  <m:e>
+                                    <m:r>
+                                      <a:rPr lang="fr-FR" sz="1050" b="0" i="1" smtClean="0">
+                                        <a:latin typeface="Cambria Math"/>
+                                      </a:rPr>
+                                      <m:t>0</m:t>
+                                    </m:r>
+                                  </m:e>
+                                </m:mr>
+                                <m:mr>
+                                  <m:e>
+                                    <m:r>
+                                      <a:rPr lang="fr-FR" sz="1050" b="0" i="1" smtClean="0">
+                                        <a:latin typeface="Cambria Math"/>
+                                      </a:rPr>
+                                      <m:t>0</m:t>
+                                    </m:r>
+                                  </m:e>
+                                  <m:e>
+                                    <m:sSub>
+                                      <m:sSubPr>
+                                        <m:ctrlPr>
+                                          <a:rPr lang="fr-FR" sz="1050" i="1">
+                                            <a:latin typeface="Cambria Math"/>
+                                          </a:rPr>
+                                        </m:ctrlPr>
+                                      </m:sSubPr>
+                                      <m:e>
+                                        <m:r>
+                                          <a:rPr lang="fr-FR" sz="1050" b="0" i="1" smtClean="0">
+                                            <a:latin typeface="Cambria Math"/>
+                                          </a:rPr>
+                                          <m:t>𝑁</m:t>
+                                        </m:r>
+                                      </m:e>
+                                      <m:sub>
+                                        <m:r>
+                                          <a:rPr lang="fr-FR" sz="1050" i="1">
+                                            <a:latin typeface="Cambria Math"/>
+                                          </a:rPr>
+                                          <m:t>𝑎𝑏</m:t>
+                                        </m:r>
+                                      </m:sub>
+                                    </m:sSub>
+                                  </m:e>
+                                </m:mr>
+                              </m:m>
+                            </m:e>
+                          </m:d>
+                        </m:e>
+                        <m:sub>
+                          <m:r>
+                            <a:rPr lang="fr-FR" sz="1050" b="0" i="1" smtClean="0">
+                              <a:latin typeface="Cambria Math"/>
+                            </a:rPr>
+                            <m:t>𝑃</m:t>
+                          </m:r>
+                          <m:d>
+                            <m:dPr>
+                              <m:ctrlPr>
+                                <a:rPr lang="fr-FR" sz="1050" b="0" i="1" smtClean="0">
+                                  <a:latin typeface="Cambria Math"/>
+                                </a:rPr>
+                              </m:ctrlPr>
+                            </m:dPr>
+                            <m:e>
+                              <m:acc>
+                                <m:accPr>
+                                  <m:chr m:val="⃗"/>
+                                  <m:ctrlPr>
+                                    <a:rPr lang="fr-FR" sz="1050" i="1">
+                                      <a:latin typeface="Cambria Math"/>
+                                    </a:rPr>
+                                  </m:ctrlPr>
+                                </m:accPr>
+                                <m:e>
+                                  <m:r>
+                                    <a:rPr lang="fr-FR" sz="1050" i="1">
+                                      <a:latin typeface="Cambria Math"/>
+                                    </a:rPr>
+                                    <m:t>𝑢</m:t>
+                                  </m:r>
+                                </m:e>
+                              </m:acc>
+                              <m:r>
+                                <a:rPr lang="fr-FR" sz="1050" b="0" i="1" smtClean="0">
+                                  <a:latin typeface="Cambria Math"/>
+                                </a:rPr>
+                                <m:t>,</m:t>
+                              </m:r>
+                              <m:acc>
+                                <m:accPr>
+                                  <m:chr m:val="⃗"/>
+                                  <m:ctrlPr>
+                                    <a:rPr lang="fr-FR" sz="1050" i="1">
+                                      <a:latin typeface="Cambria Math"/>
+                                    </a:rPr>
+                                  </m:ctrlPr>
+                                </m:accPr>
+                                <m:e>
+                                  <m:r>
+                                    <a:rPr lang="fr-FR" sz="1050" b="0" i="1" smtClean="0">
+                                      <a:latin typeface="Cambria Math"/>
+                                    </a:rPr>
+                                    <m:t>𝑣</m:t>
+                                  </m:r>
+                                </m:e>
+                              </m:acc>
+                              <m:r>
+                                <a:rPr lang="fr-FR" sz="1050" i="1">
+                                  <a:latin typeface="Cambria Math"/>
+                                </a:rPr>
+                                <m:t>,</m:t>
+                              </m:r>
+                              <m:acc>
+                                <m:accPr>
+                                  <m:chr m:val="⃗"/>
+                                  <m:ctrlPr>
+                                    <a:rPr lang="fr-FR" sz="1050" i="1">
+                                      <a:latin typeface="Cambria Math"/>
+                                    </a:rPr>
+                                  </m:ctrlPr>
+                                </m:accPr>
+                                <m:e>
+                                  <m:r>
+                                    <a:rPr lang="fr-FR" sz="1050" b="0" i="1" smtClean="0">
+                                      <a:latin typeface="Cambria Math"/>
+                                    </a:rPr>
+                                    <m:t>𝑤</m:t>
+                                  </m:r>
+                                </m:e>
+                              </m:acc>
+                            </m:e>
+                          </m:d>
+                        </m:sub>
+                      </m:sSub>
+                    </m:oMath>
+                  </m:oMathPara>
+                </a14:m>
+                <a:endParaRPr lang="fr-FR" sz="1050" dirty="0"/>
+              </a:p>
+            </p:txBody>
+          </p:sp>
+        </mc:Choice>
+        <mc:Fallback>
+          <p:sp>
+            <p:nvSpPr>
+              <p:cNvPr id="16" name="ZoneTexte 15"/>
+              <p:cNvSpPr txBox="1">
+                <a:spLocks noRot="1" noChangeAspect="1" noMove="1" noResize="1" noEditPoints="1" noAdjustHandles="1" noChangeArrowheads="1" noChangeShapeType="1" noTextEdit="1"/>
+              </p:cNvSpPr>
+              <p:nvPr/>
+            </p:nvSpPr>
+            <p:spPr>
+              <a:xfrm>
+                <a:off x="1979712" y="1407804"/>
+                <a:ext cx="1186094" cy="585545"/>
+              </a:xfrm>
+              <a:prstGeom prst="rect">
+                <a:avLst/>
+              </a:prstGeom>
+              <a:blipFill rotWithShape="1">
+                <a:blip r:embed="rId5"/>
+                <a:stretch>
+                  <a:fillRect/>
+                </a:stretch>
+              </a:blipFill>
+            </p:spPr>
+            <p:txBody>
+              <a:bodyPr/>
+              <a:lstStyle/>
+              <a:p>
+                <a:r>
+                  <a:rPr lang="fr-FR">
+                    <a:noFill/>
+                  </a:rPr>
+                  <a:t> </a:t>
+                </a:r>
+              </a:p>
+            </p:txBody>
+          </p:sp>
+        </mc:Fallback>
+      </mc:AlternateContent>
+      <mc:AlternateContent xmlns:mc="http://schemas.openxmlformats.org/markup-compatibility/2006">
+        <mc:Choice xmlns:a14="http://schemas.microsoft.com/office/drawing/2010/main" Requires="a14">
+          <p:sp>
+            <p:nvSpPr>
+              <p:cNvPr id="27" name="ZoneTexte 26"/>
+              <p:cNvSpPr txBox="1"/>
+              <p:nvPr/>
+            </p:nvSpPr>
+            <p:spPr>
+              <a:xfrm>
+                <a:off x="1979712" y="2013735"/>
+                <a:ext cx="1150891" cy="589841"/>
+              </a:xfrm>
+              <a:prstGeom prst="rect">
+                <a:avLst/>
+              </a:prstGeom>
+              <a:noFill/>
+            </p:spPr>
+            <p:txBody>
+              <a:bodyPr wrap="none" rtlCol="0">
+                <a:spAutoFit/>
+              </a:bodyPr>
+              <a:lstStyle/>
+              <a:p>
+                <a14:m>
+                  <m:oMathPara xmlns:m="http://schemas.openxmlformats.org/officeDocument/2006/math">
+                    <m:oMathParaPr>
+                      <m:jc m:val="centerGroup"/>
+                    </m:oMathParaPr>
+                    <m:oMath xmlns:m="http://schemas.openxmlformats.org/officeDocument/2006/math">
+                      <m:sSub>
+                        <m:sSubPr>
+                          <m:ctrlPr>
+                            <a:rPr lang="fr-FR" sz="1050" b="0" i="1" smtClean="0">
+                              <a:latin typeface="Cambria Math"/>
+                            </a:rPr>
+                          </m:ctrlPr>
+                        </m:sSubPr>
+                        <m:e>
+                          <m:d>
+                            <m:dPr>
+                              <m:begChr m:val="{"/>
+                              <m:endChr m:val="}"/>
+                              <m:ctrlPr>
+                                <a:rPr lang="fr-FR" sz="1050" i="1" smtClean="0">
+                                  <a:latin typeface="Cambria Math"/>
+                                </a:rPr>
+                              </m:ctrlPr>
+                            </m:dPr>
+                            <m:e>
+                              <m:m>
+                                <m:mPr>
+                                  <m:mcs>
+                                    <m:mc>
+                                      <m:mcPr>
+                                        <m:count m:val="2"/>
+                                        <m:mcJc m:val="center"/>
+                                      </m:mcPr>
+                                    </m:mc>
+                                  </m:mcs>
+                                  <m:ctrlPr>
+                                    <a:rPr lang="fr-FR" sz="1050" i="1">
+                                      <a:latin typeface="Cambria Math"/>
+                                    </a:rPr>
+                                  </m:ctrlPr>
+                                </m:mPr>
+                                <m:mr>
+                                  <m:e>
+                                    <m:r>
+                                      <m:rPr>
+                                        <m:brk m:alnAt="7"/>
+                                      </m:rPr>
+                                      <a:rPr lang="fr-FR" sz="1050" b="0" i="1" smtClean="0">
+                                        <a:latin typeface="Cambria Math"/>
+                                      </a:rPr>
+                                      <m:t>0</m:t>
+                                    </m:r>
+                                  </m:e>
+                                  <m:e>
+                                    <m:r>
+                                      <a:rPr lang="fr-FR" sz="1050" b="0" i="1" smtClean="0">
+                                        <a:latin typeface="Cambria Math"/>
+                                      </a:rPr>
+                                      <m:t>0</m:t>
+                                    </m:r>
+                                  </m:e>
+                                </m:mr>
+                                <m:mr>
+                                  <m:e>
+                                    <m:r>
+                                      <a:rPr lang="fr-FR" sz="1050" b="0" i="1" smtClean="0">
+                                        <a:latin typeface="Cambria Math"/>
+                                      </a:rPr>
+                                      <m:t>0</m:t>
+                                    </m:r>
+                                  </m:e>
+                                  <m:e>
+                                    <m:r>
+                                      <a:rPr lang="fr-FR" sz="1050" b="0" i="1" smtClean="0">
+                                        <a:latin typeface="Cambria Math"/>
+                                      </a:rPr>
+                                      <m:t>0</m:t>
+                                    </m:r>
+                                  </m:e>
+                                </m:mr>
+                                <m:mr>
+                                  <m:e>
+                                    <m:r>
+                                      <a:rPr lang="fr-FR" sz="1050" b="0" i="1" smtClean="0">
+                                        <a:latin typeface="Cambria Math"/>
+                                      </a:rPr>
+                                      <m:t>0</m:t>
+                                    </m:r>
+                                  </m:e>
+                                  <m:e>
+                                    <m:sSub>
+                                      <m:sSubPr>
+                                        <m:ctrlPr>
+                                          <a:rPr lang="fr-FR" sz="1050" i="1">
+                                            <a:latin typeface="Cambria Math"/>
+                                          </a:rPr>
+                                        </m:ctrlPr>
+                                      </m:sSubPr>
+                                      <m:e>
+                                        <m:r>
+                                          <a:rPr lang="fr-FR" sz="1050" i="1">
+                                            <a:latin typeface="Cambria Math"/>
+                                          </a:rPr>
+                                          <m:t>𝑁</m:t>
+                                        </m:r>
+                                      </m:e>
+                                      <m:sub>
+                                        <m:r>
+                                          <a:rPr lang="fr-FR" sz="1050" i="1">
+                                            <a:latin typeface="Cambria Math"/>
+                                          </a:rPr>
+                                          <m:t>𝑏</m:t>
+                                        </m:r>
+                                        <m:r>
+                                          <a:rPr lang="fr-FR" sz="1050" b="0" i="1" smtClean="0">
+                                            <a:latin typeface="Cambria Math"/>
+                                          </a:rPr>
+                                          <m:t>𝑐</m:t>
+                                        </m:r>
+                                      </m:sub>
+                                    </m:sSub>
+                                  </m:e>
+                                </m:mr>
+                              </m:m>
+                            </m:e>
+                          </m:d>
+                        </m:e>
+                        <m:sub>
+                          <m:r>
+                            <a:rPr lang="fr-FR" sz="1050" b="0" i="1" smtClean="0">
+                              <a:latin typeface="Cambria Math"/>
+                            </a:rPr>
+                            <m:t>𝑃</m:t>
+                          </m:r>
+                          <m:d>
+                            <m:dPr>
+                              <m:ctrlPr>
+                                <a:rPr lang="fr-FR" sz="1050" b="0" i="1" smtClean="0">
+                                  <a:latin typeface="Cambria Math"/>
+                                </a:rPr>
+                              </m:ctrlPr>
+                            </m:dPr>
+                            <m:e>
+                              <m:acc>
+                                <m:accPr>
+                                  <m:chr m:val="⃗"/>
+                                  <m:ctrlPr>
+                                    <a:rPr lang="fr-FR" sz="1050" i="1">
+                                      <a:latin typeface="Cambria Math"/>
+                                    </a:rPr>
+                                  </m:ctrlPr>
+                                </m:accPr>
+                                <m:e>
+                                  <m:r>
+                                    <a:rPr lang="fr-FR" sz="1050" i="1">
+                                      <a:latin typeface="Cambria Math"/>
+                                    </a:rPr>
+                                    <m:t>𝑢</m:t>
+                                  </m:r>
+                                </m:e>
+                              </m:acc>
+                              <m:r>
+                                <a:rPr lang="fr-FR" sz="1050" b="0" i="1" smtClean="0">
+                                  <a:latin typeface="Cambria Math"/>
+                                </a:rPr>
+                                <m:t>,</m:t>
+                              </m:r>
+                              <m:acc>
+                                <m:accPr>
+                                  <m:chr m:val="⃗"/>
+                                  <m:ctrlPr>
+                                    <a:rPr lang="fr-FR" sz="1050" i="1">
+                                      <a:latin typeface="Cambria Math"/>
+                                    </a:rPr>
+                                  </m:ctrlPr>
+                                </m:accPr>
+                                <m:e>
+                                  <m:r>
+                                    <a:rPr lang="fr-FR" sz="1050" b="0" i="1" smtClean="0">
+                                      <a:latin typeface="Cambria Math"/>
+                                    </a:rPr>
+                                    <m:t>𝑣</m:t>
+                                  </m:r>
+                                </m:e>
+                              </m:acc>
+                              <m:r>
+                                <a:rPr lang="fr-FR" sz="1050" i="1">
+                                  <a:latin typeface="Cambria Math"/>
+                                </a:rPr>
+                                <m:t>,</m:t>
+                              </m:r>
+                              <m:acc>
+                                <m:accPr>
+                                  <m:chr m:val="⃗"/>
+                                  <m:ctrlPr>
+                                    <a:rPr lang="fr-FR" sz="1050" i="1">
+                                      <a:latin typeface="Cambria Math"/>
+                                    </a:rPr>
+                                  </m:ctrlPr>
+                                </m:accPr>
+                                <m:e>
+                                  <m:r>
+                                    <a:rPr lang="fr-FR" sz="1050" b="0" i="1" smtClean="0">
+                                      <a:latin typeface="Cambria Math"/>
+                                    </a:rPr>
+                                    <m:t>𝑤</m:t>
+                                  </m:r>
+                                </m:e>
+                              </m:acc>
+                            </m:e>
+                          </m:d>
+                        </m:sub>
+                      </m:sSub>
+                    </m:oMath>
+                  </m:oMathPara>
+                </a14:m>
+                <a:endParaRPr lang="fr-FR" sz="1050" dirty="0"/>
+              </a:p>
+            </p:txBody>
+          </p:sp>
+        </mc:Choice>
+        <mc:Fallback>
+          <p:sp>
+            <p:nvSpPr>
+              <p:cNvPr id="27" name="ZoneTexte 26"/>
+              <p:cNvSpPr txBox="1">
+                <a:spLocks noRot="1" noChangeAspect="1" noMove="1" noResize="1" noEditPoints="1" noAdjustHandles="1" noChangeArrowheads="1" noChangeShapeType="1" noTextEdit="1"/>
+              </p:cNvSpPr>
+              <p:nvPr/>
+            </p:nvSpPr>
+            <p:spPr>
+              <a:xfrm>
+                <a:off x="1979712" y="2013735"/>
+                <a:ext cx="1150891" cy="589841"/>
+              </a:xfrm>
+              <a:prstGeom prst="rect">
+                <a:avLst/>
+              </a:prstGeom>
+              <a:blipFill rotWithShape="1">
+                <a:blip r:embed="rId6"/>
+                <a:stretch>
+                  <a:fillRect/>
+                </a:stretch>
+              </a:blipFill>
+            </p:spPr>
+            <p:txBody>
+              <a:bodyPr/>
+              <a:lstStyle/>
+              <a:p>
+                <a:r>
+                  <a:rPr lang="fr-FR">
+                    <a:noFill/>
+                  </a:rPr>
+                  <a:t> </a:t>
+                </a:r>
+              </a:p>
+            </p:txBody>
+          </p:sp>
+        </mc:Fallback>
+      </mc:AlternateContent>
+    </p:spTree>
+    <p:extLst>
+      <p:ext uri="{BB962C8B-B14F-4D97-AF65-F5344CB8AC3E}">
+        <p14:creationId xmlns:p14="http://schemas.microsoft.com/office/powerpoint/2010/main" val="3581523801"/>
+      </p:ext>
+    </p:extLst>
+  </p:cSld>
+  <p:clrMapOvr>
+    <a:masterClrMapping/>
+  </p:clrMapOvr>
+</p:sld>
+</file>
+
+<file path=ppt/slides/slide9.xml><?xml version="1.0" encoding="utf-8"?>
+<p:sld xmlns:a="http://schemas.openxmlformats.org/drawingml/2006/main" xmlns:r="http://schemas.openxmlformats.org/officeDocument/2006/relationships" xmlns:p="http://schemas.openxmlformats.org/presentationml/2006/main">
+  <p:cSld>
+    <p:spTree>
+      <p:nvGrpSpPr>
+        <p:cNvPr id="1" name=""/>
+        <p:cNvGrpSpPr/>
+        <p:nvPr/>
+      </p:nvGrpSpPr>
+      <p:grpSpPr>
+        <a:xfrm>
+          <a:off x="0" y="0"/>
+          <a:ext cx="0" cy="0"/>
+          <a:chOff x="0" y="0"/>
+          <a:chExt cx="0" cy="0"/>
+        </a:xfrm>
+      </p:grpSpPr>
+      <p:sp>
+        <p:nvSpPr>
+          <p:cNvPr id="15" name="Rectangle 14"/>
+          <p:cNvSpPr/>
+          <p:nvPr/>
+        </p:nvSpPr>
+        <p:spPr>
+          <a:xfrm>
+            <a:off x="0" y="1813200"/>
+            <a:ext cx="152400" cy="286396"/>
+          </a:xfrm>
+          <a:prstGeom prst="rect">
+            <a:avLst/>
+          </a:prstGeom>
+          <a:solidFill>
+            <a:schemeClr val="accent6">
+              <a:lumMod val="20000"/>
+              <a:lumOff val="80000"/>
+            </a:schemeClr>
+          </a:solidFill>
+          <a:ln w="19050">
+            <a:noFill/>
+          </a:ln>
+        </p:spPr>
+        <p:style>
+          <a:lnRef idx="2">
+            <a:schemeClr val="accent1">
+              <a:shade val="50000"/>
+            </a:schemeClr>
+          </a:lnRef>
+          <a:fillRef idx="1">
+            <a:schemeClr val="accent1"/>
+          </a:fillRef>
+          <a:effectRef idx="0">
+            <a:schemeClr val="accent1"/>
+          </a:effectRef>
+          <a:fontRef idx="minor">
+            <a:schemeClr val="lt1"/>
+          </a:fontRef>
+        </p:style>
+        <p:txBody>
+          <a:bodyPr rtlCol="0" anchor="ctr"/>
+          <a:lstStyle/>
+          <a:p>
+            <a:pPr algn="ctr"/>
+            <a:endParaRPr lang="fr-FR" sz="1400" b="1">
+              <a:solidFill>
+                <a:schemeClr val="accent6">
+                  <a:lumMod val="50000"/>
+                </a:schemeClr>
+              </a:solidFill>
+            </a:endParaRPr>
+          </a:p>
+        </p:txBody>
+      </p:sp>
+      <p:sp>
+        <p:nvSpPr>
+          <p:cNvPr id="4" name="Ellipse 3"/>
+          <p:cNvSpPr/>
+          <p:nvPr/>
+        </p:nvSpPr>
+        <p:spPr>
+          <a:xfrm>
+            <a:off x="1061610" y="1813199"/>
+            <a:ext cx="288032" cy="288032"/>
+          </a:xfrm>
+          <a:prstGeom prst="ellipse">
+            <a:avLst/>
+          </a:prstGeom>
+          <a:solidFill>
+            <a:schemeClr val="accent4">
+              <a:lumMod val="20000"/>
+              <a:lumOff val="80000"/>
+            </a:schemeClr>
+          </a:solidFill>
+          <a:ln w="19050">
+            <a:solidFill>
+              <a:schemeClr val="accent4"/>
+            </a:solidFill>
+          </a:ln>
+        </p:spPr>
+        <p:style>
+          <a:lnRef idx="2">
+            <a:schemeClr val="accent1">
+              <a:shade val="50000"/>
+            </a:schemeClr>
+          </a:lnRef>
+          <a:fillRef idx="1">
+            <a:schemeClr val="accent1"/>
+          </a:fillRef>
+          <a:effectRef idx="0">
+            <a:schemeClr val="accent1"/>
+          </a:effectRef>
+          <a:fontRef idx="minor">
+            <a:schemeClr val="lt1"/>
+          </a:fontRef>
+        </p:style>
+        <p:txBody>
+          <a:bodyPr rtlCol="0" anchor="ctr"/>
+          <a:lstStyle/>
+          <a:p>
+            <a:pPr algn="ctr"/>
+            <a:r>
+              <a:rPr lang="fr-FR" sz="1400" b="1" dirty="0" smtClean="0">
+                <a:solidFill>
+                  <a:schemeClr val="accent4"/>
+                </a:solidFill>
+              </a:rPr>
+              <a:t>1</a:t>
+            </a:r>
+            <a:endParaRPr lang="fr-FR" sz="1400" b="1" dirty="0">
+              <a:solidFill>
+                <a:schemeClr val="accent4"/>
+              </a:solidFill>
+            </a:endParaRPr>
+          </a:p>
+        </p:txBody>
+      </p:sp>
+      <p:sp>
+        <p:nvSpPr>
+          <p:cNvPr id="5" name="Ellipse 4"/>
+          <p:cNvSpPr/>
+          <p:nvPr/>
+        </p:nvSpPr>
+        <p:spPr>
+          <a:xfrm>
+            <a:off x="1799692" y="1813199"/>
+            <a:ext cx="288032" cy="288032"/>
+          </a:xfrm>
+          <a:prstGeom prst="ellipse">
+            <a:avLst/>
+          </a:prstGeom>
+          <a:solidFill>
+            <a:schemeClr val="accent2">
+              <a:lumMod val="20000"/>
+              <a:lumOff val="80000"/>
+            </a:schemeClr>
+          </a:solidFill>
+          <a:ln w="19050">
+            <a:solidFill>
+              <a:schemeClr val="accent2"/>
+            </a:solidFill>
+          </a:ln>
+        </p:spPr>
+        <p:style>
+          <a:lnRef idx="2">
+            <a:schemeClr val="accent1">
+              <a:shade val="50000"/>
+            </a:schemeClr>
+          </a:lnRef>
+          <a:fillRef idx="1">
+            <a:schemeClr val="accent1"/>
+          </a:fillRef>
+          <a:effectRef idx="0">
+            <a:schemeClr val="accent1"/>
+          </a:effectRef>
+          <a:fontRef idx="minor">
+            <a:schemeClr val="lt1"/>
+          </a:fontRef>
+        </p:style>
+        <p:txBody>
+          <a:bodyPr rtlCol="0" anchor="ctr"/>
+          <a:lstStyle/>
+          <a:p>
+            <a:pPr algn="ctr"/>
+            <a:r>
+              <a:rPr lang="fr-FR" sz="1400" b="1" dirty="0">
+                <a:solidFill>
+                  <a:schemeClr val="accent2"/>
+                </a:solidFill>
+              </a:rPr>
+              <a:t>2</a:t>
+            </a:r>
+          </a:p>
+        </p:txBody>
+      </p:sp>
+      <p:sp>
+        <p:nvSpPr>
+          <p:cNvPr id="6" name="Ellipse 5"/>
+          <p:cNvSpPr/>
+          <p:nvPr/>
+        </p:nvSpPr>
+        <p:spPr>
+          <a:xfrm>
+            <a:off x="2537774" y="1813199"/>
+            <a:ext cx="288032" cy="288032"/>
+          </a:xfrm>
+          <a:prstGeom prst="ellipse">
+            <a:avLst/>
+          </a:prstGeom>
+          <a:solidFill>
+            <a:schemeClr val="accent3">
+              <a:lumMod val="20000"/>
+              <a:lumOff val="80000"/>
+            </a:schemeClr>
+          </a:solidFill>
+          <a:ln w="19050">
+            <a:solidFill>
+              <a:schemeClr val="accent3"/>
+            </a:solidFill>
+          </a:ln>
+        </p:spPr>
+        <p:style>
+          <a:lnRef idx="2">
+            <a:schemeClr val="accent1">
+              <a:shade val="50000"/>
+            </a:schemeClr>
+          </a:lnRef>
+          <a:fillRef idx="1">
+            <a:schemeClr val="accent1"/>
+          </a:fillRef>
+          <a:effectRef idx="0">
+            <a:schemeClr val="accent1"/>
+          </a:effectRef>
+          <a:fontRef idx="minor">
+            <a:schemeClr val="lt1"/>
+          </a:fontRef>
+        </p:style>
+        <p:txBody>
+          <a:bodyPr rtlCol="0" anchor="ctr"/>
+          <a:lstStyle/>
+          <a:p>
+            <a:pPr algn="ctr"/>
+            <a:r>
+              <a:rPr lang="fr-FR" sz="1400" b="1" dirty="0" smtClean="0">
+                <a:solidFill>
+                  <a:schemeClr val="accent3"/>
+                </a:solidFill>
+              </a:rPr>
+              <a:t>3</a:t>
+            </a:r>
+            <a:endParaRPr lang="fr-FR" sz="1400" b="1" dirty="0">
+              <a:solidFill>
+                <a:schemeClr val="accent3"/>
+              </a:solidFill>
+            </a:endParaRPr>
+          </a:p>
+        </p:txBody>
+      </p:sp>
+      <p:sp>
+        <p:nvSpPr>
+          <p:cNvPr id="7" name="Ellipse 6"/>
+          <p:cNvSpPr/>
+          <p:nvPr/>
+        </p:nvSpPr>
+        <p:spPr>
+          <a:xfrm>
+            <a:off x="3275856" y="1813199"/>
+            <a:ext cx="288032" cy="288032"/>
+          </a:xfrm>
+          <a:prstGeom prst="ellipse">
+            <a:avLst/>
+          </a:prstGeom>
+          <a:solidFill>
+            <a:schemeClr val="bg1">
+              <a:lumMod val="85000"/>
+            </a:schemeClr>
+          </a:solidFill>
+          <a:ln w="19050">
+            <a:solidFill>
+              <a:schemeClr val="tx1"/>
+            </a:solidFill>
+          </a:ln>
+        </p:spPr>
+        <p:style>
+          <a:lnRef idx="2">
+            <a:schemeClr val="accent1">
+              <a:shade val="50000"/>
+            </a:schemeClr>
+          </a:lnRef>
+          <a:fillRef idx="1">
+            <a:schemeClr val="accent1"/>
+          </a:fillRef>
+          <a:effectRef idx="0">
+            <a:schemeClr val="accent1"/>
+          </a:effectRef>
+          <a:fontRef idx="minor">
+            <a:schemeClr val="lt1"/>
+          </a:fontRef>
+        </p:style>
+        <p:txBody>
+          <a:bodyPr rtlCol="0" anchor="ctr"/>
+          <a:lstStyle/>
+          <a:p>
+            <a:pPr algn="ctr"/>
+            <a:r>
+              <a:rPr lang="fr-FR" sz="1400" b="1" dirty="0" smtClean="0">
+                <a:solidFill>
+                  <a:schemeClr val="tx1"/>
+                </a:solidFill>
+              </a:rPr>
+              <a:t>4</a:t>
+            </a:r>
+            <a:endParaRPr lang="fr-FR" sz="1400" b="1" dirty="0">
+              <a:solidFill>
+                <a:schemeClr val="tx1"/>
+              </a:solidFill>
+            </a:endParaRPr>
+          </a:p>
+        </p:txBody>
+      </p:sp>
+      <p:sp>
+        <p:nvSpPr>
+          <p:cNvPr id="8" name="Ellipse 7"/>
+          <p:cNvSpPr/>
+          <p:nvPr/>
+        </p:nvSpPr>
+        <p:spPr>
+          <a:xfrm>
+            <a:off x="323528" y="1813199"/>
+            <a:ext cx="288032" cy="288032"/>
+          </a:xfrm>
+          <a:prstGeom prst="ellipse">
+            <a:avLst/>
+          </a:prstGeom>
+          <a:solidFill>
+            <a:schemeClr val="accent6">
+              <a:lumMod val="20000"/>
+              <a:lumOff val="80000"/>
+            </a:schemeClr>
+          </a:solidFill>
+          <a:ln w="19050">
+            <a:solidFill>
+              <a:schemeClr val="accent6">
+                <a:lumMod val="50000"/>
+              </a:schemeClr>
+            </a:solidFill>
+          </a:ln>
+        </p:spPr>
+        <p:style>
+          <a:lnRef idx="2">
+            <a:schemeClr val="accent1">
+              <a:shade val="50000"/>
+            </a:schemeClr>
+          </a:lnRef>
+          <a:fillRef idx="1">
+            <a:schemeClr val="accent1"/>
+          </a:fillRef>
+          <a:effectRef idx="0">
+            <a:schemeClr val="accent1"/>
+          </a:effectRef>
+          <a:fontRef idx="minor">
+            <a:schemeClr val="lt1"/>
+          </a:fontRef>
+        </p:style>
+        <p:txBody>
+          <a:bodyPr rtlCol="0" anchor="ctr"/>
+          <a:lstStyle/>
+          <a:p>
+            <a:pPr algn="ctr"/>
+            <a:r>
+              <a:rPr lang="fr-FR" sz="1400" b="1" dirty="0" smtClean="0">
+                <a:solidFill>
+                  <a:schemeClr val="accent6">
+                    <a:lumMod val="50000"/>
+                  </a:schemeClr>
+                </a:solidFill>
+              </a:rPr>
+              <a:t>0</a:t>
+            </a:r>
+            <a:endParaRPr lang="fr-FR" sz="1400" b="1" dirty="0">
+              <a:solidFill>
+                <a:schemeClr val="accent6">
+                  <a:lumMod val="50000"/>
+                </a:schemeClr>
+              </a:solidFill>
+            </a:endParaRPr>
+          </a:p>
+        </p:txBody>
+      </p:sp>
+      <p:cxnSp>
+        <p:nvCxnSpPr>
+          <p:cNvPr id="10" name="Connecteur droit 9"/>
+          <p:cNvCxnSpPr>
+            <a:stCxn id="8" idx="6"/>
+            <a:endCxn id="4" idx="2"/>
+          </p:cNvCxnSpPr>
+          <p:nvPr/>
+        </p:nvCxnSpPr>
+        <p:spPr>
+          <a:xfrm>
+            <a:off x="611560" y="1957215"/>
             <a:ext cx="450050" cy="0"/>
           </a:xfrm>
           <a:prstGeom prst="line">
@@ -13030,8 +15446,8 @@
           </a:fontRef>
         </p:style>
       </p:cxnSp>
-      <mc:AlternateContent xmlns:mc="http://schemas.openxmlformats.org/markup-compatibility/2006">
-        <mc:Choice xmlns:a14="http://schemas.microsoft.com/office/drawing/2010/main" Requires="a14">
+      <mc:AlternateContent xmlns:mc="http://schemas.openxmlformats.org/markup-compatibility/2006" xmlns:a14="http://schemas.microsoft.com/office/drawing/2010/main">
+        <mc:Choice Requires="a14">
           <p:sp>
             <p:nvSpPr>
               <p:cNvPr id="31" name="ZoneTexte 30"/>
@@ -13127,7 +15543,7 @@
             </p:txBody>
           </p:sp>
         </mc:Choice>
-        <mc:Fallback>
+        <mc:Fallback xmlns="">
           <p:sp>
             <p:nvSpPr>
               <p:cNvPr id="31" name="ZoneTexte 30"/>
@@ -13166,8 +15582,8 @@
           </p:sp>
         </mc:Fallback>
       </mc:AlternateContent>
-      <mc:AlternateContent xmlns:mc="http://schemas.openxmlformats.org/markup-compatibility/2006">
-        <mc:Choice xmlns:a14="http://schemas.microsoft.com/office/drawing/2010/main" Requires="a14">
+      <mc:AlternateContent xmlns:mc="http://schemas.openxmlformats.org/markup-compatibility/2006" xmlns:a14="http://schemas.microsoft.com/office/drawing/2010/main">
+        <mc:Choice Requires="a14">
           <p:sp>
             <p:nvSpPr>
               <p:cNvPr id="32" name="ZoneTexte 31"/>
@@ -13263,7 +15679,7 @@
             </p:txBody>
           </p:sp>
         </mc:Choice>
-        <mc:Fallback>
+        <mc:Fallback xmlns="">
           <p:sp>
             <p:nvSpPr>
               <p:cNvPr id="32" name="ZoneTexte 31"/>
@@ -13302,8 +15718,8 @@
           </p:sp>
         </mc:Fallback>
       </mc:AlternateContent>
-      <mc:AlternateContent xmlns:mc="http://schemas.openxmlformats.org/markup-compatibility/2006">
-        <mc:Choice xmlns:a14="http://schemas.microsoft.com/office/drawing/2010/main" Requires="a14">
+      <mc:AlternateContent xmlns:mc="http://schemas.openxmlformats.org/markup-compatibility/2006" xmlns:a14="http://schemas.microsoft.com/office/drawing/2010/main">
+        <mc:Choice Requires="a14">
           <p:sp>
             <p:nvSpPr>
               <p:cNvPr id="33" name="ZoneTexte 32"/>
@@ -13399,7 +15815,7 @@
             </p:txBody>
           </p:sp>
         </mc:Choice>
-        <mc:Fallback>
+        <mc:Fallback xmlns="">
           <p:sp>
             <p:nvSpPr>
               <p:cNvPr id="33" name="ZoneTexte 32"/>
@@ -13438,8 +15854,8 @@
           </p:sp>
         </mc:Fallback>
       </mc:AlternateContent>
-      <mc:AlternateContent xmlns:mc="http://schemas.openxmlformats.org/markup-compatibility/2006">
-        <mc:Choice xmlns:a14="http://schemas.microsoft.com/office/drawing/2010/main" Requires="a14">
+      <mc:AlternateContent xmlns:mc="http://schemas.openxmlformats.org/markup-compatibility/2006" xmlns:a14="http://schemas.microsoft.com/office/drawing/2010/main">
+        <mc:Choice Requires="a14">
           <p:sp>
             <p:nvSpPr>
               <p:cNvPr id="34" name="ZoneTexte 33"/>
@@ -13523,7 +15939,7 @@
             </p:txBody>
           </p:sp>
         </mc:Choice>
-        <mc:Fallback>
+        <mc:Fallback xmlns="">
           <p:sp>
             <p:nvSpPr>
               <p:cNvPr id="34" name="ZoneTexte 33"/>

--- a/Chapitre_02_Hyperstatisme/TD_03_Prehenseur/images/Figures.pptx
+++ b/Chapitre_02_Hyperstatisme/TD_03_Prehenseur/images/Figures.pptx
@@ -14341,7 +14341,7 @@
             <p:spPr>
               <a:xfrm>
                 <a:off x="1979712" y="1407804"/>
-                <a:ext cx="1186094" cy="585545"/>
+                <a:ext cx="1122550" cy="586956"/>
               </a:xfrm>
               <a:prstGeom prst="rect">
                 <a:avLst/>
@@ -14486,7 +14486,7 @@
                           <m:d>
                             <m:dPr>
                               <m:ctrlPr>
-                                <a:rPr lang="fr-FR" sz="1050" b="0" i="1" smtClean="0">
+                                <a:rPr lang="fr-FR" sz="1050" i="1">
                                   <a:latin typeface="Cambria Math"/>
                                 </a:rPr>
                               </m:ctrlPr>
@@ -14506,31 +14506,7 @@
                                     <a:rPr lang="fr-FR" sz="1050" i="1">
                                       <a:latin typeface="Cambria Math"/>
                                     </a:rPr>
-                                    <m:t>𝑢</m:t>
-                                  </m:r>
-                                </m:e>
-                              </m:acc>
-                              <m:r>
-                                <a:rPr lang="fr-FR" sz="1050" b="0" i="1" smtClean="0">
-                                  <a:latin typeface="Cambria Math"/>
-                                </a:rPr>
-                                <m:t>,</m:t>
-                              </m:r>
-                              <m:acc>
-                                <m:accPr>
-                                  <m:chr m:val="⃗"/>
-                                  <m:ctrlPr>
-                                    <a:rPr lang="fr-FR" sz="1050" i="1">
-                                      <a:latin typeface="Cambria Math"/>
-                                    </a:rPr>
-                                  </m:ctrlPr>
-                                </m:accPr>
-                                <m:e>
-                                  <m:r>
-                                    <a:rPr lang="fr-FR" sz="1050" b="0" i="1" smtClean="0">
-                                      <a:latin typeface="Cambria Math"/>
-                                    </a:rPr>
-                                    <m:t>𝑣</m:t>
+                                    <m:t>𝑥</m:t>
                                   </m:r>
                                 </m:e>
                               </m:acc>
@@ -14551,10 +14527,34 @@
                                 </m:accPr>
                                 <m:e>
                                   <m:r>
-                                    <a:rPr lang="fr-FR" sz="1050" b="0" i="1" smtClean="0">
+                                    <a:rPr lang="fr-FR" sz="1050" i="1">
                                       <a:latin typeface="Cambria Math"/>
                                     </a:rPr>
-                                    <m:t>𝑤</m:t>
+                                    <m:t>𝑦</m:t>
+                                  </m:r>
+                                </m:e>
+                              </m:acc>
+                              <m:r>
+                                <a:rPr lang="fr-FR" sz="1050" i="1">
+                                  <a:latin typeface="Cambria Math"/>
+                                </a:rPr>
+                                <m:t>,</m:t>
+                              </m:r>
+                              <m:acc>
+                                <m:accPr>
+                                  <m:chr m:val="⃗"/>
+                                  <m:ctrlPr>
+                                    <a:rPr lang="fr-FR" sz="1050" i="1">
+                                      <a:latin typeface="Cambria Math"/>
+                                    </a:rPr>
+                                  </m:ctrlPr>
+                                </m:accPr>
+                                <m:e>
+                                  <m:r>
+                                    <a:rPr lang="fr-FR" sz="1050" i="1">
+                                      <a:latin typeface="Cambria Math"/>
+                                    </a:rPr>
+                                    <m:t>𝑧</m:t>
                                   </m:r>
                                 </m:e>
                               </m:acc>
@@ -14582,7 +14582,7 @@
             <p:spPr>
               <a:xfrm>
                 <a:off x="1979712" y="1407804"/>
-                <a:ext cx="1186094" cy="585545"/>
+                <a:ext cx="1122550" cy="586956"/>
               </a:xfrm>
               <a:prstGeom prst="rect">
                 <a:avLst/>
@@ -14590,7 +14590,7 @@
               <a:blipFill rotWithShape="1">
                 <a:blip r:embed="rId5"/>
                 <a:stretch>
-                  <a:fillRect/>
+                  <a:fillRect r="-543"/>
                 </a:stretch>
               </a:blipFill>
             </p:spPr>
@@ -14620,7 +14620,7 @@
             <p:spPr>
               <a:xfrm>
                 <a:off x="1979712" y="2013735"/>
-                <a:ext cx="1150891" cy="589841"/>
+                <a:ext cx="1134734" cy="585545"/>
               </a:xfrm>
               <a:prstGeom prst="rect">
                 <a:avLst/>
@@ -14788,10 +14788,10 @@
                                 </m:accPr>
                                 <m:e>
                                   <m:r>
-                                    <a:rPr lang="fr-FR" sz="1050" i="1">
+                                    <a:rPr lang="fr-FR" sz="1050" b="0" i="1" smtClean="0">
                                       <a:latin typeface="Cambria Math"/>
                                     </a:rPr>
-                                    <m:t>𝑢</m:t>
+                                    <m:t>𝑥</m:t>
                                   </m:r>
                                 </m:e>
                               </m:acc>
@@ -14815,7 +14815,7 @@
                                     <a:rPr lang="fr-FR" sz="1050" b="0" i="1" smtClean="0">
                                       <a:latin typeface="Cambria Math"/>
                                     </a:rPr>
-                                    <m:t>𝑣</m:t>
+                                    <m:t>𝑦</m:t>
                                   </m:r>
                                 </m:e>
                               </m:acc>
@@ -14839,7 +14839,7 @@
                                     <a:rPr lang="fr-FR" sz="1050" b="0" i="1" smtClean="0">
                                       <a:latin typeface="Cambria Math"/>
                                     </a:rPr>
-                                    <m:t>𝑤</m:t>
+                                    <m:t>𝑧</m:t>
                                   </m:r>
                                 </m:e>
                               </m:acc>
@@ -14867,7 +14867,7 @@
             <p:spPr>
               <a:xfrm>
                 <a:off x="1979712" y="2013735"/>
-                <a:ext cx="1150891" cy="589841"/>
+                <a:ext cx="1134734" cy="585545"/>
               </a:xfrm>
               <a:prstGeom prst="rect">
                 <a:avLst/>
